--- a/lesson_5/Presentation/Other_Js_possibilities.pptx
+++ b/lesson_5/Presentation/Other_Js_possibilities.pptx
@@ -112,6 +112,22 @@
       </a:defRPr>
     </a:lvl9pPr>
   </p:defaultTextStyle>
+  <p:extLst>
+    <p:ext uri="{EFAFB233-063F-42B5-8137-9DF3F51BA10A}">
+      <p15:sldGuideLst xmlns:p15="http://schemas.microsoft.com/office/powerpoint/2012/main">
+        <p15:guide id="1" orient="horz" pos="2160">
+          <p15:clr>
+            <a:srgbClr val="A4A3A4"/>
+          </p15:clr>
+        </p15:guide>
+        <p15:guide id="2" pos="2880">
+          <p15:clr>
+            <a:srgbClr val="A4A3A4"/>
+          </p15:clr>
+        </p15:guide>
+      </p15:sldGuideLst>
+    </p:ext>
+  </p:extLst>
 </p:presentation>
 </file>
 
@@ -197,7 +213,7 @@
           <a:p>
             <a:fld id="{878C5971-768E-4159-A95D-0A5E45D27E50}" type="datetimeFigureOut">
               <a:rPr lang="en-US" smtClean="0"/>
-              <a:t>6/14/2016</a:t>
+              <a:t>6/16/2016</a:t>
             </a:fld>
             <a:endParaRPr lang="en-US"/>
           </a:p>
@@ -263,35 +279,35 @@
           <a:p>
             <a:pPr lvl="0"/>
             <a:r>
-              <a:rPr lang="ru-RU" smtClean="0"/>
+              <a:rPr lang="ru-RU"/>
               <a:t>Образец текста</a:t>
             </a:r>
           </a:p>
           <a:p>
             <a:pPr lvl="1"/>
             <a:r>
-              <a:rPr lang="ru-RU" smtClean="0"/>
+              <a:rPr lang="ru-RU"/>
               <a:t>Второй уровень</a:t>
             </a:r>
           </a:p>
           <a:p>
             <a:pPr lvl="2"/>
             <a:r>
-              <a:rPr lang="ru-RU" smtClean="0"/>
+              <a:rPr lang="ru-RU"/>
               <a:t>Третий уровень</a:t>
             </a:r>
           </a:p>
           <a:p>
             <a:pPr lvl="3"/>
             <a:r>
-              <a:rPr lang="ru-RU" smtClean="0"/>
+              <a:rPr lang="ru-RU"/>
               <a:t>Четвертый уровень</a:t>
             </a:r>
           </a:p>
           <a:p>
             <a:pPr lvl="4"/>
             <a:r>
-              <a:rPr lang="ru-RU" smtClean="0"/>
+              <a:rPr lang="ru-RU"/>
               <a:t>Пятый уровень</a:t>
             </a:r>
             <a:endParaRPr lang="en-US"/>
@@ -500,7 +516,7 @@
           <a:lstStyle/>
           <a:p>
             <a:r>
-              <a:rPr lang="ru-RU" smtClean="0"/>
+              <a:rPr lang="ru-RU"/>
               <a:t>Образец заголовка</a:t>
             </a:r>
             <a:endParaRPr lang="en-US"/>
@@ -619,7 +635,7 @@
           </a:lstStyle>
           <a:p>
             <a:r>
-              <a:rPr lang="ru-RU" smtClean="0"/>
+              <a:rPr lang="ru-RU"/>
               <a:t>Образец подзаголовка</a:t>
             </a:r>
             <a:endParaRPr lang="en-US"/>
@@ -644,7 +660,7 @@
             <a:fld id="{36B78445-B28E-4895-95BD-B3D6A03BFA46}" type="datetimeFigureOut">
               <a:rPr lang="en-US" smtClean="0"/>
               <a:pPr/>
-              <a:t>6/14/2016</a:t>
+              <a:t>6/16/2016</a:t>
             </a:fld>
             <a:endParaRPr lang="en-US"/>
           </a:p>
@@ -734,7 +750,7 @@
           <a:lstStyle/>
           <a:p>
             <a:r>
-              <a:rPr lang="ru-RU" smtClean="0"/>
+              <a:rPr lang="ru-RU"/>
               <a:t>Образец заголовка</a:t>
             </a:r>
             <a:endParaRPr lang="en-US"/>
@@ -758,35 +774,35 @@
           <a:p>
             <a:pPr lvl="0"/>
             <a:r>
-              <a:rPr lang="ru-RU" smtClean="0"/>
+              <a:rPr lang="ru-RU"/>
               <a:t>Образец текста</a:t>
             </a:r>
           </a:p>
           <a:p>
             <a:pPr lvl="1"/>
             <a:r>
-              <a:rPr lang="ru-RU" smtClean="0"/>
+              <a:rPr lang="ru-RU"/>
               <a:t>Второй уровень</a:t>
             </a:r>
           </a:p>
           <a:p>
             <a:pPr lvl="2"/>
             <a:r>
-              <a:rPr lang="ru-RU" smtClean="0"/>
+              <a:rPr lang="ru-RU"/>
               <a:t>Третий уровень</a:t>
             </a:r>
           </a:p>
           <a:p>
             <a:pPr lvl="3"/>
             <a:r>
-              <a:rPr lang="ru-RU" smtClean="0"/>
+              <a:rPr lang="ru-RU"/>
               <a:t>Четвертый уровень</a:t>
             </a:r>
           </a:p>
           <a:p>
             <a:pPr lvl="4"/>
             <a:r>
-              <a:rPr lang="ru-RU" smtClean="0"/>
+              <a:rPr lang="ru-RU"/>
               <a:t>Пятый уровень</a:t>
             </a:r>
             <a:endParaRPr lang="en-US"/>
@@ -811,7 +827,7 @@
             <a:fld id="{36B78445-B28E-4895-95BD-B3D6A03BFA46}" type="datetimeFigureOut">
               <a:rPr lang="en-US" smtClean="0"/>
               <a:pPr/>
-              <a:t>6/14/2016</a:t>
+              <a:t>6/16/2016</a:t>
             </a:fld>
             <a:endParaRPr lang="en-US"/>
           </a:p>
@@ -906,7 +922,7 @@
           <a:lstStyle/>
           <a:p>
             <a:r>
-              <a:rPr lang="ru-RU" smtClean="0"/>
+              <a:rPr lang="ru-RU"/>
               <a:t>Образец заголовка</a:t>
             </a:r>
             <a:endParaRPr lang="en-US"/>
@@ -935,35 +951,35 @@
           <a:p>
             <a:pPr lvl="0"/>
             <a:r>
-              <a:rPr lang="ru-RU" smtClean="0"/>
+              <a:rPr lang="ru-RU"/>
               <a:t>Образец текста</a:t>
             </a:r>
           </a:p>
           <a:p>
             <a:pPr lvl="1"/>
             <a:r>
-              <a:rPr lang="ru-RU" smtClean="0"/>
+              <a:rPr lang="ru-RU"/>
               <a:t>Второй уровень</a:t>
             </a:r>
           </a:p>
           <a:p>
             <a:pPr lvl="2"/>
             <a:r>
-              <a:rPr lang="ru-RU" smtClean="0"/>
+              <a:rPr lang="ru-RU"/>
               <a:t>Третий уровень</a:t>
             </a:r>
           </a:p>
           <a:p>
             <a:pPr lvl="3"/>
             <a:r>
-              <a:rPr lang="ru-RU" smtClean="0"/>
+              <a:rPr lang="ru-RU"/>
               <a:t>Четвертый уровень</a:t>
             </a:r>
           </a:p>
           <a:p>
             <a:pPr lvl="4"/>
             <a:r>
-              <a:rPr lang="ru-RU" smtClean="0"/>
+              <a:rPr lang="ru-RU"/>
               <a:t>Пятый уровень</a:t>
             </a:r>
             <a:endParaRPr lang="en-US"/>
@@ -988,7 +1004,7 @@
             <a:fld id="{36B78445-B28E-4895-95BD-B3D6A03BFA46}" type="datetimeFigureOut">
               <a:rPr lang="en-US" smtClean="0"/>
               <a:pPr/>
-              <a:t>6/14/2016</a:t>
+              <a:t>6/16/2016</a:t>
             </a:fld>
             <a:endParaRPr lang="en-US"/>
           </a:p>
@@ -1100,10 +1116,9 @@
           </a:lstStyle>
           <a:p>
             <a:r>
-              <a:rPr lang="en-US" dirty="0" smtClean="0"/>
+              <a:rPr lang="en-US" dirty="0"/>
               <a:t>title style</a:t>
             </a:r>
-            <a:endParaRPr lang="en-US" dirty="0"/>
           </a:p>
         </p:txBody>
       </p:sp>
@@ -1223,10 +1238,9 @@
           </a:lstStyle>
           <a:p>
             <a:r>
-              <a:rPr lang="en-US" dirty="0" smtClean="0"/>
+              <a:rPr lang="en-US" dirty="0"/>
               <a:t>Click to edit Master subtitle style</a:t>
             </a:r>
-            <a:endParaRPr lang="en-US" dirty="0"/>
           </a:p>
         </p:txBody>
       </p:sp>
@@ -1552,20 +1566,13 @@
     </p:spTree>
     <p:extLst>
       <p:ext uri="{BB962C8B-B14F-4D97-AF65-F5344CB8AC3E}">
-        <p14:creationId xmlns:p14="http://schemas.microsoft.com/office/powerpoint/2010/main" xmlns="" val="3537187278"/>
+        <p14:creationId xmlns:p14="http://schemas.microsoft.com/office/powerpoint/2010/main" val="3537187278"/>
       </p:ext>
     </p:extLst>
   </p:cSld>
   <p:clrMapOvr>
     <a:overrideClrMapping bg1="lt1" tx1="dk1" bg2="lt2" tx2="dk2" accent1="accent1" accent2="accent2" accent3="accent3" accent4="accent4" accent5="accent5" accent6="accent6" hlink="hlink" folHlink="folHlink"/>
   </p:clrMapOvr>
-  <p:timing>
-    <p:tnLst>
-      <p:par>
-        <p:cTn id="1" dur="indefinite" restart="never" nodeType="tmRoot"/>
-      </p:par>
-    </p:tnLst>
-  </p:timing>
 </p:sldLayout>
 </file>
 
@@ -1598,7 +1605,7 @@
           <a:blip r:embed="rId2" cstate="print">
             <a:extLst>
               <a:ext uri="{28A0092B-C50C-407E-A947-70E740481C1C}">
-                <a14:useLocalDpi xmlns:a14="http://schemas.microsoft.com/office/drawing/2010/main" xmlns="" val="0"/>
+                <a14:useLocalDpi xmlns:a14="http://schemas.microsoft.com/office/drawing/2010/main" val="0"/>
               </a:ext>
             </a:extLst>
           </a:blip>
@@ -1622,14 +1629,14 @@
           <a:effectLst/>
           <a:extLst>
             <a:ext uri="{909E8E84-426E-40DD-AFC4-6F175D3DCCD1}">
-              <a14:hiddenFill xmlns:a14="http://schemas.microsoft.com/office/drawing/2010/main" xmlns="">
+              <a14:hiddenFill xmlns:a14="http://schemas.microsoft.com/office/drawing/2010/main">
                 <a:solidFill>
                   <a:schemeClr val="accent1"/>
                 </a:solidFill>
               </a14:hiddenFill>
             </a:ext>
             <a:ext uri="{91240B29-F687-4F45-9708-019B960494DF}">
-              <a14:hiddenLine xmlns:a14="http://schemas.microsoft.com/office/drawing/2010/main" xmlns="" w="9525">
+              <a14:hiddenLine xmlns:a14="http://schemas.microsoft.com/office/drawing/2010/main" w="9525">
                 <a:solidFill>
                   <a:schemeClr val="tx1"/>
                 </a:solidFill>
@@ -1639,7 +1646,7 @@
               </a14:hiddenLine>
             </a:ext>
             <a:ext uri="{AF507438-7753-43E0-B8FC-AC1667EBCBE1}">
-              <a14:hiddenEffects xmlns:a14="http://schemas.microsoft.com/office/drawing/2010/main" xmlns="">
+              <a14:hiddenEffects xmlns:a14="http://schemas.microsoft.com/office/drawing/2010/main">
                 <a:effectLst>
                   <a:outerShdw dist="35921" dir="2700000" algn="ctr" rotWithShape="0">
                     <a:schemeClr val="bg2"/>
@@ -1734,10 +1741,9 @@
           </a:lstStyle>
           <a:p>
             <a:r>
-              <a:rPr lang="en-US" dirty="0" smtClean="0"/>
+              <a:rPr lang="en-US" dirty="0"/>
               <a:t>Click to edit Master title style</a:t>
             </a:r>
-            <a:endParaRPr lang="en-US" dirty="0"/>
           </a:p>
         </p:txBody>
       </p:sp>
@@ -1771,7 +1777,7 @@
           <a:p>
             <a:pPr lvl="4"/>
             <a:r>
-              <a:rPr lang="en-US" dirty="0" smtClean="0"/>
+              <a:rPr lang="en-US" dirty="0"/>
               <a:t>Subtitle</a:t>
             </a:r>
           </a:p>
@@ -1780,20 +1786,13 @@
     </p:spTree>
     <p:extLst>
       <p:ext uri="{BB962C8B-B14F-4D97-AF65-F5344CB8AC3E}">
-        <p14:creationId xmlns:p14="http://schemas.microsoft.com/office/powerpoint/2010/main" xmlns="" val="2097366919"/>
+        <p14:creationId xmlns:p14="http://schemas.microsoft.com/office/powerpoint/2010/main" val="2097366919"/>
       </p:ext>
     </p:extLst>
   </p:cSld>
   <p:clrMapOvr>
     <a:masterClrMapping/>
   </p:clrMapOvr>
-  <p:timing>
-    <p:tnLst>
-      <p:par>
-        <p:cTn id="1" dur="indefinite" restart="never" nodeType="tmRoot"/>
-      </p:par>
-    </p:tnLst>
-  </p:timing>
 </p:sldLayout>
 </file>
 
@@ -1830,7 +1829,7 @@
           <a:lstStyle/>
           <a:p>
             <a:r>
-              <a:rPr lang="ru-RU" smtClean="0"/>
+              <a:rPr lang="ru-RU"/>
               <a:t>Образец заголовка</a:t>
             </a:r>
             <a:endParaRPr lang="en-US"/>
@@ -1854,35 +1853,35 @@
           <a:p>
             <a:pPr lvl="0"/>
             <a:r>
-              <a:rPr lang="ru-RU" smtClean="0"/>
+              <a:rPr lang="ru-RU"/>
               <a:t>Образец текста</a:t>
             </a:r>
           </a:p>
           <a:p>
             <a:pPr lvl="1"/>
             <a:r>
-              <a:rPr lang="ru-RU" smtClean="0"/>
+              <a:rPr lang="ru-RU"/>
               <a:t>Второй уровень</a:t>
             </a:r>
           </a:p>
           <a:p>
             <a:pPr lvl="2"/>
             <a:r>
-              <a:rPr lang="ru-RU" smtClean="0"/>
+              <a:rPr lang="ru-RU"/>
               <a:t>Третий уровень</a:t>
             </a:r>
           </a:p>
           <a:p>
             <a:pPr lvl="3"/>
             <a:r>
-              <a:rPr lang="ru-RU" smtClean="0"/>
+              <a:rPr lang="ru-RU"/>
               <a:t>Четвертый уровень</a:t>
             </a:r>
           </a:p>
           <a:p>
             <a:pPr lvl="4"/>
             <a:r>
-              <a:rPr lang="ru-RU" smtClean="0"/>
+              <a:rPr lang="ru-RU"/>
               <a:t>Пятый уровень</a:t>
             </a:r>
             <a:endParaRPr lang="en-US"/>
@@ -1907,7 +1906,7 @@
             <a:fld id="{36B78445-B28E-4895-95BD-B3D6A03BFA46}" type="datetimeFigureOut">
               <a:rPr lang="en-US" smtClean="0"/>
               <a:pPr/>
-              <a:t>6/14/2016</a:t>
+              <a:t>6/16/2016</a:t>
             </a:fld>
             <a:endParaRPr lang="en-US"/>
           </a:p>
@@ -2006,7 +2005,7 @@
           </a:lstStyle>
           <a:p>
             <a:r>
-              <a:rPr lang="ru-RU" smtClean="0"/>
+              <a:rPr lang="ru-RU"/>
               <a:t>Образец заголовка</a:t>
             </a:r>
             <a:endParaRPr lang="en-US"/>
@@ -2126,7 +2125,7 @@
           <a:p>
             <a:pPr lvl="0"/>
             <a:r>
-              <a:rPr lang="ru-RU" smtClean="0"/>
+              <a:rPr lang="ru-RU"/>
               <a:t>Образец текста</a:t>
             </a:r>
           </a:p>
@@ -2150,7 +2149,7 @@
             <a:fld id="{36B78445-B28E-4895-95BD-B3D6A03BFA46}" type="datetimeFigureOut">
               <a:rPr lang="en-US" smtClean="0"/>
               <a:pPr/>
-              <a:t>6/14/2016</a:t>
+              <a:t>6/16/2016</a:t>
             </a:fld>
             <a:endParaRPr lang="en-US"/>
           </a:p>
@@ -2240,7 +2239,7 @@
           <a:lstStyle/>
           <a:p>
             <a:r>
-              <a:rPr lang="ru-RU" smtClean="0"/>
+              <a:rPr lang="ru-RU"/>
               <a:t>Образец заголовка</a:t>
             </a:r>
             <a:endParaRPr lang="en-US"/>
@@ -2297,35 +2296,35 @@
           <a:p>
             <a:pPr lvl="0"/>
             <a:r>
-              <a:rPr lang="ru-RU" smtClean="0"/>
+              <a:rPr lang="ru-RU"/>
               <a:t>Образец текста</a:t>
             </a:r>
           </a:p>
           <a:p>
             <a:pPr lvl="1"/>
             <a:r>
-              <a:rPr lang="ru-RU" smtClean="0"/>
+              <a:rPr lang="ru-RU"/>
               <a:t>Второй уровень</a:t>
             </a:r>
           </a:p>
           <a:p>
             <a:pPr lvl="2"/>
             <a:r>
-              <a:rPr lang="ru-RU" smtClean="0"/>
+              <a:rPr lang="ru-RU"/>
               <a:t>Третий уровень</a:t>
             </a:r>
           </a:p>
           <a:p>
             <a:pPr lvl="3"/>
             <a:r>
-              <a:rPr lang="ru-RU" smtClean="0"/>
+              <a:rPr lang="ru-RU"/>
               <a:t>Четвертый уровень</a:t>
             </a:r>
           </a:p>
           <a:p>
             <a:pPr lvl="4"/>
             <a:r>
-              <a:rPr lang="ru-RU" smtClean="0"/>
+              <a:rPr lang="ru-RU"/>
               <a:t>Пятый уровень</a:t>
             </a:r>
             <a:endParaRPr lang="en-US"/>
@@ -2382,35 +2381,35 @@
           <a:p>
             <a:pPr lvl="0"/>
             <a:r>
-              <a:rPr lang="ru-RU" smtClean="0"/>
+              <a:rPr lang="ru-RU"/>
               <a:t>Образец текста</a:t>
             </a:r>
           </a:p>
           <a:p>
             <a:pPr lvl="1"/>
             <a:r>
-              <a:rPr lang="ru-RU" smtClean="0"/>
+              <a:rPr lang="ru-RU"/>
               <a:t>Второй уровень</a:t>
             </a:r>
           </a:p>
           <a:p>
             <a:pPr lvl="2"/>
             <a:r>
-              <a:rPr lang="ru-RU" smtClean="0"/>
+              <a:rPr lang="ru-RU"/>
               <a:t>Третий уровень</a:t>
             </a:r>
           </a:p>
           <a:p>
             <a:pPr lvl="3"/>
             <a:r>
-              <a:rPr lang="ru-RU" smtClean="0"/>
+              <a:rPr lang="ru-RU"/>
               <a:t>Четвертый уровень</a:t>
             </a:r>
           </a:p>
           <a:p>
             <a:pPr lvl="4"/>
             <a:r>
-              <a:rPr lang="ru-RU" smtClean="0"/>
+              <a:rPr lang="ru-RU"/>
               <a:t>Пятый уровень</a:t>
             </a:r>
             <a:endParaRPr lang="en-US"/>
@@ -2435,7 +2434,7 @@
             <a:fld id="{36B78445-B28E-4895-95BD-B3D6A03BFA46}" type="datetimeFigureOut">
               <a:rPr lang="en-US" smtClean="0"/>
               <a:pPr/>
-              <a:t>6/14/2016</a:t>
+              <a:t>6/16/2016</a:t>
             </a:fld>
             <a:endParaRPr lang="en-US"/>
           </a:p>
@@ -2529,7 +2528,7 @@
           </a:lstStyle>
           <a:p>
             <a:r>
-              <a:rPr lang="ru-RU" smtClean="0"/>
+              <a:rPr lang="ru-RU"/>
               <a:t>Образец заголовка</a:t>
             </a:r>
             <a:endParaRPr lang="en-US"/>
@@ -2595,7 +2594,7 @@
           <a:p>
             <a:pPr lvl="0"/>
             <a:r>
-              <a:rPr lang="ru-RU" smtClean="0"/>
+              <a:rPr lang="ru-RU"/>
               <a:t>Образец текста</a:t>
             </a:r>
           </a:p>
@@ -2651,35 +2650,35 @@
           <a:p>
             <a:pPr lvl="0"/>
             <a:r>
-              <a:rPr lang="ru-RU" smtClean="0"/>
+              <a:rPr lang="ru-RU"/>
               <a:t>Образец текста</a:t>
             </a:r>
           </a:p>
           <a:p>
             <a:pPr lvl="1"/>
             <a:r>
-              <a:rPr lang="ru-RU" smtClean="0"/>
+              <a:rPr lang="ru-RU"/>
               <a:t>Второй уровень</a:t>
             </a:r>
           </a:p>
           <a:p>
             <a:pPr lvl="2"/>
             <a:r>
-              <a:rPr lang="ru-RU" smtClean="0"/>
+              <a:rPr lang="ru-RU"/>
               <a:t>Третий уровень</a:t>
             </a:r>
           </a:p>
           <a:p>
             <a:pPr lvl="3"/>
             <a:r>
-              <a:rPr lang="ru-RU" smtClean="0"/>
+              <a:rPr lang="ru-RU"/>
               <a:t>Четвертый уровень</a:t>
             </a:r>
           </a:p>
           <a:p>
             <a:pPr lvl="4"/>
             <a:r>
-              <a:rPr lang="ru-RU" smtClean="0"/>
+              <a:rPr lang="ru-RU"/>
               <a:t>Пятый уровень</a:t>
             </a:r>
             <a:endParaRPr lang="en-US"/>
@@ -2745,7 +2744,7 @@
           <a:p>
             <a:pPr lvl="0"/>
             <a:r>
-              <a:rPr lang="ru-RU" smtClean="0"/>
+              <a:rPr lang="ru-RU"/>
               <a:t>Образец текста</a:t>
             </a:r>
           </a:p>
@@ -2801,35 +2800,35 @@
           <a:p>
             <a:pPr lvl="0"/>
             <a:r>
-              <a:rPr lang="ru-RU" smtClean="0"/>
+              <a:rPr lang="ru-RU"/>
               <a:t>Образец текста</a:t>
             </a:r>
           </a:p>
           <a:p>
             <a:pPr lvl="1"/>
             <a:r>
-              <a:rPr lang="ru-RU" smtClean="0"/>
+              <a:rPr lang="ru-RU"/>
               <a:t>Второй уровень</a:t>
             </a:r>
           </a:p>
           <a:p>
             <a:pPr lvl="2"/>
             <a:r>
-              <a:rPr lang="ru-RU" smtClean="0"/>
+              <a:rPr lang="ru-RU"/>
               <a:t>Третий уровень</a:t>
             </a:r>
           </a:p>
           <a:p>
             <a:pPr lvl="3"/>
             <a:r>
-              <a:rPr lang="ru-RU" smtClean="0"/>
+              <a:rPr lang="ru-RU"/>
               <a:t>Четвертый уровень</a:t>
             </a:r>
           </a:p>
           <a:p>
             <a:pPr lvl="4"/>
             <a:r>
-              <a:rPr lang="ru-RU" smtClean="0"/>
+              <a:rPr lang="ru-RU"/>
               <a:t>Пятый уровень</a:t>
             </a:r>
             <a:endParaRPr lang="en-US"/>
@@ -2854,7 +2853,7 @@
             <a:fld id="{36B78445-B28E-4895-95BD-B3D6A03BFA46}" type="datetimeFigureOut">
               <a:rPr lang="en-US" smtClean="0"/>
               <a:pPr/>
-              <a:t>6/14/2016</a:t>
+              <a:t>6/16/2016</a:t>
             </a:fld>
             <a:endParaRPr lang="en-US"/>
           </a:p>
@@ -2944,7 +2943,7 @@
           <a:lstStyle/>
           <a:p>
             <a:r>
-              <a:rPr lang="ru-RU" smtClean="0"/>
+              <a:rPr lang="ru-RU"/>
               <a:t>Образец заголовка</a:t>
             </a:r>
             <a:endParaRPr lang="en-US"/>
@@ -2969,7 +2968,7 @@
             <a:fld id="{36B78445-B28E-4895-95BD-B3D6A03BFA46}" type="datetimeFigureOut">
               <a:rPr lang="en-US" smtClean="0"/>
               <a:pPr/>
-              <a:t>6/14/2016</a:t>
+              <a:t>6/16/2016</a:t>
             </a:fld>
             <a:endParaRPr lang="en-US"/>
           </a:p>
@@ -3061,7 +3060,7 @@
             <a:fld id="{36B78445-B28E-4895-95BD-B3D6A03BFA46}" type="datetimeFigureOut">
               <a:rPr lang="en-US" smtClean="0"/>
               <a:pPr/>
-              <a:t>6/14/2016</a:t>
+              <a:t>6/16/2016</a:t>
             </a:fld>
             <a:endParaRPr lang="en-US"/>
           </a:p>
@@ -3160,7 +3159,7 @@
           </a:lstStyle>
           <a:p>
             <a:r>
-              <a:rPr lang="ru-RU" smtClean="0"/>
+              <a:rPr lang="ru-RU"/>
               <a:t>Образец заголовка</a:t>
             </a:r>
             <a:endParaRPr lang="en-US"/>
@@ -3217,35 +3216,35 @@
           <a:p>
             <a:pPr lvl="0"/>
             <a:r>
-              <a:rPr lang="ru-RU" smtClean="0"/>
+              <a:rPr lang="ru-RU"/>
               <a:t>Образец текста</a:t>
             </a:r>
           </a:p>
           <a:p>
             <a:pPr lvl="1"/>
             <a:r>
-              <a:rPr lang="ru-RU" smtClean="0"/>
+              <a:rPr lang="ru-RU"/>
               <a:t>Второй уровень</a:t>
             </a:r>
           </a:p>
           <a:p>
             <a:pPr lvl="2"/>
             <a:r>
-              <a:rPr lang="ru-RU" smtClean="0"/>
+              <a:rPr lang="ru-RU"/>
               <a:t>Третий уровень</a:t>
             </a:r>
           </a:p>
           <a:p>
             <a:pPr lvl="3"/>
             <a:r>
-              <a:rPr lang="ru-RU" smtClean="0"/>
+              <a:rPr lang="ru-RU"/>
               <a:t>Четвертый уровень</a:t>
             </a:r>
           </a:p>
           <a:p>
             <a:pPr lvl="4"/>
             <a:r>
-              <a:rPr lang="ru-RU" smtClean="0"/>
+              <a:rPr lang="ru-RU"/>
               <a:t>Пятый уровень</a:t>
             </a:r>
             <a:endParaRPr lang="en-US"/>
@@ -3311,7 +3310,7 @@
           <a:p>
             <a:pPr lvl="0"/>
             <a:r>
-              <a:rPr lang="ru-RU" smtClean="0"/>
+              <a:rPr lang="ru-RU"/>
               <a:t>Образец текста</a:t>
             </a:r>
           </a:p>
@@ -3335,7 +3334,7 @@
             <a:fld id="{36B78445-B28E-4895-95BD-B3D6A03BFA46}" type="datetimeFigureOut">
               <a:rPr lang="en-US" smtClean="0"/>
               <a:pPr/>
-              <a:t>6/14/2016</a:t>
+              <a:t>6/16/2016</a:t>
             </a:fld>
             <a:endParaRPr lang="en-US"/>
           </a:p>
@@ -3434,7 +3433,7 @@
           </a:lstStyle>
           <a:p>
             <a:r>
-              <a:rPr lang="ru-RU" smtClean="0"/>
+              <a:rPr lang="ru-RU"/>
               <a:t>Образец заголовка</a:t>
             </a:r>
             <a:endParaRPr lang="en-US"/>
@@ -3561,7 +3560,7 @@
           <a:p>
             <a:pPr lvl="0"/>
             <a:r>
-              <a:rPr lang="ru-RU" smtClean="0"/>
+              <a:rPr lang="ru-RU"/>
               <a:t>Образец текста</a:t>
             </a:r>
           </a:p>
@@ -3585,7 +3584,7 @@
             <a:fld id="{36B78445-B28E-4895-95BD-B3D6A03BFA46}" type="datetimeFigureOut">
               <a:rPr lang="en-US" smtClean="0"/>
               <a:pPr/>
-              <a:t>6/14/2016</a:t>
+              <a:t>6/16/2016</a:t>
             </a:fld>
             <a:endParaRPr lang="en-US"/>
           </a:p>
@@ -3690,7 +3689,7 @@
           <a:lstStyle/>
           <a:p>
             <a:r>
-              <a:rPr lang="ru-RU" smtClean="0"/>
+              <a:rPr lang="ru-RU"/>
               <a:t>Образец заголовка</a:t>
             </a:r>
             <a:endParaRPr lang="en-US"/>
@@ -3724,35 +3723,35 @@
           <a:p>
             <a:pPr lvl="0"/>
             <a:r>
-              <a:rPr lang="ru-RU" smtClean="0"/>
+              <a:rPr lang="ru-RU"/>
               <a:t>Образец текста</a:t>
             </a:r>
           </a:p>
           <a:p>
             <a:pPr lvl="1"/>
             <a:r>
-              <a:rPr lang="ru-RU" smtClean="0"/>
+              <a:rPr lang="ru-RU"/>
               <a:t>Второй уровень</a:t>
             </a:r>
           </a:p>
           <a:p>
             <a:pPr lvl="2"/>
             <a:r>
-              <a:rPr lang="ru-RU" smtClean="0"/>
+              <a:rPr lang="ru-RU"/>
               <a:t>Третий уровень</a:t>
             </a:r>
           </a:p>
           <a:p>
             <a:pPr lvl="3"/>
             <a:r>
-              <a:rPr lang="ru-RU" smtClean="0"/>
+              <a:rPr lang="ru-RU"/>
               <a:t>Четвертый уровень</a:t>
             </a:r>
           </a:p>
           <a:p>
             <a:pPr lvl="4"/>
             <a:r>
-              <a:rPr lang="ru-RU" smtClean="0"/>
+              <a:rPr lang="ru-RU"/>
               <a:t>Пятый уровень</a:t>
             </a:r>
             <a:endParaRPr lang="en-US"/>
@@ -3795,7 +3794,7 @@
             <a:fld id="{36B78445-B28E-4895-95BD-B3D6A03BFA46}" type="datetimeFigureOut">
               <a:rPr lang="en-US" smtClean="0"/>
               <a:pPr/>
-              <a:t>6/14/2016</a:t>
+              <a:t>6/16/2016</a:t>
             </a:fld>
             <a:endParaRPr lang="en-US"/>
           </a:p>
@@ -4239,7 +4238,7 @@
           <a:lstStyle/>
           <a:p>
             <a:r>
-              <a:rPr lang="en-US" dirty="0" smtClean="0">
+              <a:rPr lang="en-US" dirty="0">
                 <a:solidFill>
                   <a:schemeClr val="bg1"/>
                 </a:solidFill>
@@ -4249,14 +4248,6 @@
               </a:rPr>
               <a:t> JavaScript</a:t>
             </a:r>
-            <a:endParaRPr lang="en-US" dirty="0">
-              <a:solidFill>
-                <a:schemeClr val="bg1"/>
-              </a:solidFill>
-              <a:latin typeface="Roboto Thin" panose="02000000000000000000" pitchFamily="2" charset="0"/>
-              <a:ea typeface="Roboto Thin" panose="02000000000000000000" pitchFamily="2" charset="0"/>
-              <a:cs typeface="Roboto Thin" panose="02000000000000000000" pitchFamily="2" charset="0"/>
-            </a:endParaRPr>
           </a:p>
         </p:txBody>
       </p:sp>
@@ -4438,7 +4429,7 @@
           </a:lstStyle>
           <a:p>
             <a:r>
-              <a:rPr lang="en-US" sz="2700" dirty="0" smtClean="0">
+              <a:rPr lang="en-US" sz="2700" dirty="0">
                 <a:solidFill>
                   <a:schemeClr val="tx1">
                     <a:lumMod val="90000"/>
@@ -4451,17 +4442,6 @@
               </a:rPr>
               <a:t>The JavaScript Programming Language</a:t>
             </a:r>
-            <a:endParaRPr lang="en-US" sz="2700" dirty="0">
-              <a:solidFill>
-                <a:schemeClr val="tx1">
-                  <a:lumMod val="90000"/>
-                  <a:lumOff val="10000"/>
-                </a:schemeClr>
-              </a:solidFill>
-              <a:latin typeface="Roboto Light" panose="02000000000000000000" pitchFamily="2" charset="0"/>
-              <a:ea typeface="Roboto Light" panose="02000000000000000000" pitchFamily="2" charset="0"/>
-              <a:cs typeface="Roboto Light" panose="02000000000000000000" pitchFamily="2" charset="0"/>
-            </a:endParaRPr>
           </a:p>
         </p:txBody>
       </p:sp>
@@ -4477,7 +4457,7 @@
           <a:blip r:embed="rId2" cstate="print">
             <a:extLst>
               <a:ext uri="{28A0092B-C50C-407E-A947-70E740481C1C}">
-                <a14:useLocalDpi xmlns:a14="http://schemas.microsoft.com/office/drawing/2010/main" xmlns="" val="0"/>
+                <a14:useLocalDpi xmlns:a14="http://schemas.microsoft.com/office/drawing/2010/main" val="0"/>
               </a:ext>
             </a:extLst>
           </a:blip>
@@ -4497,7 +4477,7 @@
           <a:noFill/>
           <a:extLst>
             <a:ext uri="{909E8E84-426E-40DD-AFC4-6F175D3DCCD1}">
-              <a14:hiddenFill xmlns:a14="http://schemas.microsoft.com/office/drawing/2010/main" xmlns="">
+              <a14:hiddenFill xmlns:a14="http://schemas.microsoft.com/office/drawing/2010/main">
                 <a:solidFill>
                   <a:srgbClr val="FFFFFF"/>
                 </a:solidFill>
@@ -4529,7 +4509,7 @@
           <a:lstStyle/>
           <a:p>
             <a:r>
-              <a:rPr lang="ru-RU" sz="4400" dirty="0" err="1" smtClean="0">
+              <a:rPr lang="ru-RU" sz="4400" dirty="0">
                 <a:solidFill>
                   <a:srgbClr val="7564BC"/>
                 </a:solidFill>
@@ -4537,18 +4517,7 @@
                 <a:ea typeface="Roboto Black" panose="02000000000000000000" pitchFamily="2" charset="0"/>
                 <a:cs typeface="Roboto Black" panose="02000000000000000000" pitchFamily="2" charset="0"/>
               </a:rPr>
-              <a:t>Раз.личные</a:t>
-            </a:r>
-            <a:r>
-              <a:rPr lang="ru-RU" sz="4400" dirty="0" smtClean="0">
-                <a:solidFill>
-                  <a:srgbClr val="7564BC"/>
-                </a:solidFill>
-                <a:latin typeface="Roboto Black" panose="02000000000000000000" pitchFamily="2" charset="0"/>
-                <a:ea typeface="Roboto Black" panose="02000000000000000000" pitchFamily="2" charset="0"/>
-                <a:cs typeface="Roboto Black" panose="02000000000000000000" pitchFamily="2" charset="0"/>
-              </a:rPr>
-              <a:t> возможности </a:t>
+              <a:t>Различные возможности </a:t>
             </a:r>
           </a:p>
         </p:txBody>
@@ -4556,20 +4525,13 @@
     </p:spTree>
     <p:extLst>
       <p:ext uri="{BB962C8B-B14F-4D97-AF65-F5344CB8AC3E}">
-        <p14:creationId xmlns:p14="http://schemas.microsoft.com/office/powerpoint/2010/main" xmlns="" val="3436223543"/>
+        <p14:creationId xmlns:p14="http://schemas.microsoft.com/office/powerpoint/2010/main" val="3436223543"/>
       </p:ext>
     </p:extLst>
   </p:cSld>
   <p:clrMapOvr>
     <a:masterClrMapping/>
   </p:clrMapOvr>
-  <p:timing>
-    <p:tnLst>
-      <p:par>
-        <p:cTn id="1" dur="indefinite" restart="never" nodeType="tmRoot"/>
-      </p:par>
-    </p:tnLst>
-  </p:timing>
 </p:sld>
 </file>
 
@@ -4606,7 +4568,7 @@
           <a:lstStyle/>
           <a:p>
             <a:r>
-              <a:rPr lang="ru-RU" b="1" dirty="0" smtClean="0"/>
+              <a:rPr lang="ru-RU" b="1" dirty="0"/>
               <a:t>Типизация данных</a:t>
             </a:r>
             <a:endParaRPr lang="en-US" b="1" dirty="0"/>
@@ -4640,27 +4602,27 @@
               <a:buChar char="§"/>
             </a:pPr>
             <a:r>
-              <a:rPr lang="en-US" dirty="0" smtClean="0"/>
+              <a:rPr lang="en-US" dirty="0"/>
               <a:t>  </a:t>
             </a:r>
             <a:r>
-              <a:rPr lang="ru-RU" dirty="0" smtClean="0"/>
+              <a:rPr lang="ru-RU" dirty="0"/>
               <a:t>Оператор </a:t>
             </a:r>
             <a:r>
-              <a:rPr lang="en-US" dirty="0" err="1" smtClean="0"/>
+              <a:rPr lang="en-US" dirty="0" err="1"/>
               <a:t>typeof</a:t>
             </a:r>
             <a:r>
-              <a:rPr lang="en-US" dirty="0" smtClean="0"/>
+              <a:rPr lang="en-US" dirty="0"/>
               <a:t> (</a:t>
             </a:r>
             <a:r>
-              <a:rPr lang="ru-RU" dirty="0" smtClean="0"/>
+              <a:rPr lang="ru-RU" dirty="0"/>
               <a:t>подходит для работы со значениями примитивных типов</a:t>
             </a:r>
             <a:r>
-              <a:rPr lang="en-US" dirty="0" smtClean="0"/>
+              <a:rPr lang="en-US" dirty="0"/>
               <a:t>); </a:t>
             </a:r>
           </a:p>
@@ -4669,7 +4631,7 @@
               <a:buFont typeface="Wingdings" pitchFamily="2" charset="2"/>
               <a:buChar char="§"/>
             </a:pPr>
-            <a:endParaRPr lang="en-US" dirty="0" smtClean="0"/>
+            <a:endParaRPr lang="en-US" dirty="0"/>
           </a:p>
           <a:p>
             <a:pPr algn="just">
@@ -4677,54 +4639,49 @@
               <a:buChar char="§"/>
             </a:pPr>
             <a:r>
-              <a:rPr lang="en-US" dirty="0" smtClean="0"/>
+              <a:rPr lang="en-US" dirty="0"/>
               <a:t>  </a:t>
             </a:r>
             <a:r>
-              <a:rPr lang="ru-RU" dirty="0" smtClean="0"/>
-              <a:t>Во </a:t>
-            </a:r>
-            <a:r>
-              <a:rPr lang="ru-RU" dirty="0" smtClean="0"/>
-              <a:t>всех встроенных объектах есть специальное свойство [[</a:t>
-            </a:r>
-            <a:r>
-              <a:rPr lang="ru-RU" dirty="0" err="1" smtClean="0"/>
+              <a:rPr lang="ru-RU" dirty="0"/>
+              <a:t>Во всех встроенных объектах есть специальное свойство [[</a:t>
+            </a:r>
+            <a:r>
+              <a:rPr lang="ru-RU" dirty="0" err="1"/>
               <a:t>Class</a:t>
             </a:r>
             <a:r>
-              <a:rPr lang="ru-RU" dirty="0" smtClean="0"/>
+              <a:rPr lang="ru-RU" dirty="0"/>
               <a:t>]], в котором хранится информация о его типе или конструкторе.</a:t>
             </a:r>
             <a:r>
-              <a:rPr lang="en-US" dirty="0" smtClean="0"/>
+              <a:rPr lang="en-US" dirty="0"/>
               <a:t> </a:t>
             </a:r>
             <a:r>
-              <a:rPr lang="ru-RU" dirty="0" smtClean="0"/>
+              <a:rPr lang="ru-RU" dirty="0"/>
               <a:t>Например</a:t>
             </a:r>
             <a:r>
-              <a:rPr lang="en-US" dirty="0" smtClean="0"/>
+              <a:rPr lang="en-US" dirty="0"/>
               <a:t>: </a:t>
             </a:r>
-            <a:endParaRPr lang="en-US" dirty="0" smtClean="0"/>
           </a:p>
           <a:p>
             <a:pPr algn="just">
               <a:buFont typeface="Wingdings" pitchFamily="2" charset="2"/>
               <a:buChar char="§"/>
             </a:pPr>
-            <a:endParaRPr lang="en-US" dirty="0" smtClean="0"/>
-          </a:p>
-          <a:p>
-            <a:endParaRPr lang="ru-RU" dirty="0" smtClean="0"/>
-          </a:p>
-          <a:p>
-            <a:endParaRPr lang="ru-RU" dirty="0" smtClean="0"/>
-          </a:p>
-          <a:p>
-            <a:endParaRPr lang="en-US" dirty="0" smtClean="0"/>
+            <a:endParaRPr lang="en-US" dirty="0"/>
+          </a:p>
+          <a:p>
+            <a:endParaRPr lang="ru-RU" dirty="0"/>
+          </a:p>
+          <a:p>
+            <a:endParaRPr lang="ru-RU" dirty="0"/>
+          </a:p>
+          <a:p>
+            <a:endParaRPr lang="en-US" dirty="0"/>
           </a:p>
           <a:p>
             <a:pPr algn="just">
@@ -4732,44 +4689,40 @@
               <a:buChar char="§"/>
             </a:pPr>
             <a:r>
-              <a:rPr lang="en-US" dirty="0" smtClean="0"/>
+              <a:rPr lang="en-US" dirty="0"/>
               <a:t>  </a:t>
             </a:r>
             <a:r>
-              <a:rPr lang="ru-RU" dirty="0" smtClean="0"/>
+              <a:rPr lang="ru-RU" dirty="0"/>
               <a:t>Оператор </a:t>
             </a:r>
             <a:r>
-              <a:rPr lang="ru-RU" dirty="0" err="1" smtClean="0"/>
+              <a:rPr lang="ru-RU" dirty="0" err="1"/>
               <a:t>instanceof</a:t>
             </a:r>
             <a:r>
-              <a:rPr lang="ru-RU" dirty="0" smtClean="0"/>
-              <a:t> позволяет проверить, создан ли объект данной функцией, причём работает для любых функций – как встроенных, так и </a:t>
-            </a:r>
-            <a:r>
-              <a:rPr lang="ru-RU" dirty="0" smtClean="0"/>
-              <a:t>пользовательских. Например</a:t>
-            </a:r>
-            <a:r>
-              <a:rPr lang="en-US" dirty="0" smtClean="0"/>
+              <a:rPr lang="ru-RU" dirty="0"/>
+              <a:t> позволяет проверить, создан ли объект данной функцией, причём работает для любых функций – как встроенных, так и пользовательских. Например</a:t>
+            </a:r>
+            <a:r>
+              <a:rPr lang="en-US" dirty="0"/>
               <a:t>: </a:t>
             </a:r>
           </a:p>
           <a:p>
-            <a:endParaRPr lang="en-US" dirty="0" smtClean="0"/>
-          </a:p>
-          <a:p>
-            <a:endParaRPr lang="ru-RU" dirty="0" smtClean="0"/>
-          </a:p>
-          <a:p>
-            <a:endParaRPr lang="ru-RU" dirty="0" smtClean="0"/>
-          </a:p>
-          <a:p>
-            <a:endParaRPr lang="ru-RU" dirty="0" smtClean="0"/>
-          </a:p>
-          <a:p>
-            <a:endParaRPr lang="en-US" dirty="0" smtClean="0"/>
+            <a:endParaRPr lang="en-US" dirty="0"/>
+          </a:p>
+          <a:p>
+            <a:endParaRPr lang="ru-RU" dirty="0"/>
+          </a:p>
+          <a:p>
+            <a:endParaRPr lang="ru-RU" dirty="0"/>
+          </a:p>
+          <a:p>
+            <a:endParaRPr lang="ru-RU" dirty="0"/>
+          </a:p>
+          <a:p>
+            <a:endParaRPr lang="en-US" dirty="0"/>
           </a:p>
           <a:p>
             <a:pPr algn="just">
@@ -4777,40 +4730,20 @@
               <a:buChar char="§"/>
             </a:pPr>
             <a:r>
-              <a:rPr lang="en-US" dirty="0" smtClean="0"/>
+              <a:rPr lang="en-US" dirty="0"/>
               <a:t> </a:t>
             </a:r>
             <a:r>
-              <a:rPr lang="ru-RU" dirty="0" smtClean="0"/>
-              <a:t>Альтернативный подход к типу – «утиная </a:t>
-            </a:r>
-            <a:r>
-              <a:rPr lang="ru-RU" dirty="0" smtClean="0"/>
-              <a:t>типизация»</a:t>
-            </a:r>
-            <a:r>
-              <a:rPr lang="en-US" dirty="0" smtClean="0"/>
+              <a:rPr lang="ru-RU" dirty="0"/>
+              <a:t>Альтернативный подход к типу – «утиная типизация»</a:t>
+            </a:r>
+            <a:r>
+              <a:rPr lang="en-US" dirty="0"/>
               <a:t>. </a:t>
             </a:r>
             <a:r>
-              <a:rPr lang="ru-RU" dirty="0" smtClean="0"/>
-              <a:t>Её смысл – </a:t>
-            </a:r>
-            <a:r>
-              <a:rPr lang="ru-RU" dirty="0" smtClean="0"/>
-              <a:t>в проверке </a:t>
-            </a:r>
-            <a:r>
-              <a:rPr lang="ru-RU" dirty="0" smtClean="0"/>
-              <a:t> наличия необходимых </a:t>
-            </a:r>
-            <a:r>
-              <a:rPr lang="ru-RU" dirty="0" smtClean="0"/>
-              <a:t>методов и свойств</a:t>
-            </a:r>
-            <a:r>
-              <a:rPr lang="ru-RU" dirty="0" smtClean="0"/>
-              <a:t>. </a:t>
+              <a:rPr lang="ru-RU" dirty="0"/>
+              <a:t>Её смысл – в проверке  наличия необходимых методов и свойств. </a:t>
             </a:r>
             <a:endParaRPr lang="en-US" dirty="0"/>
           </a:p>
@@ -4856,7 +4789,7 @@
           <a:p>
             <a:pPr algn="just"/>
             <a:r>
-              <a:rPr lang="en-US" dirty="0" err="1" smtClean="0">
+              <a:rPr lang="en-US" dirty="0" err="1">
                 <a:solidFill>
                   <a:schemeClr val="accent1">
                     <a:lumMod val="75000"/>
@@ -4866,30 +4799,30 @@
               <a:t>var</a:t>
             </a:r>
             <a:r>
-              <a:rPr lang="en-US" dirty="0" smtClean="0"/>
+              <a:rPr lang="en-US" dirty="0"/>
               <a:t> </a:t>
             </a:r>
             <a:r>
-              <a:rPr lang="en-US" dirty="0" err="1" smtClean="0"/>
+              <a:rPr lang="en-US" dirty="0" err="1"/>
               <a:t>toString</a:t>
             </a:r>
             <a:r>
-              <a:rPr lang="en-US" dirty="0" smtClean="0"/>
+              <a:rPr lang="en-US" dirty="0"/>
               <a:t> = {}.</a:t>
             </a:r>
             <a:r>
-              <a:rPr lang="en-US" dirty="0" err="1" smtClean="0"/>
+              <a:rPr lang="en-US" dirty="0" err="1"/>
               <a:t>toString</a:t>
             </a:r>
             <a:r>
-              <a:rPr lang="en-US" dirty="0" smtClean="0"/>
+              <a:rPr lang="en-US" dirty="0"/>
               <a:t>;  </a:t>
             </a:r>
           </a:p>
           <a:p>
             <a:pPr algn="just"/>
             <a:r>
-              <a:rPr lang="en-US" dirty="0" err="1" smtClean="0">
+              <a:rPr lang="en-US" dirty="0" err="1">
                 <a:solidFill>
                   <a:schemeClr val="accent1">
                     <a:lumMod val="75000"/>
@@ -4899,31 +4832,31 @@
               <a:t>var</a:t>
             </a:r>
             <a:r>
-              <a:rPr lang="en-US" dirty="0" smtClean="0"/>
+              <a:rPr lang="en-US" dirty="0"/>
               <a:t> </a:t>
             </a:r>
             <a:r>
-              <a:rPr lang="en-US" dirty="0" err="1" smtClean="0"/>
+              <a:rPr lang="en-US" dirty="0" err="1"/>
               <a:t>arr</a:t>
             </a:r>
             <a:r>
-              <a:rPr lang="en-US" dirty="0" smtClean="0"/>
+              <a:rPr lang="en-US" dirty="0"/>
               <a:t> = [1, 2]; alert( </a:t>
             </a:r>
             <a:r>
-              <a:rPr lang="en-US" dirty="0" err="1" smtClean="0"/>
+              <a:rPr lang="en-US" dirty="0" err="1"/>
               <a:t>toString.call</a:t>
             </a:r>
             <a:r>
-              <a:rPr lang="en-US" dirty="0" smtClean="0"/>
+              <a:rPr lang="en-US" dirty="0"/>
               <a:t>(</a:t>
             </a:r>
             <a:r>
-              <a:rPr lang="en-US" dirty="0" err="1" smtClean="0"/>
+              <a:rPr lang="en-US" dirty="0" err="1"/>
               <a:t>arr</a:t>
             </a:r>
             <a:r>
-              <a:rPr lang="en-US" dirty="0" smtClean="0"/>
+              <a:rPr lang="en-US" dirty="0"/>
               <a:t>) ); // [object Array]</a:t>
             </a:r>
           </a:p>
@@ -4965,7 +4898,7 @@
           <a:lstStyle/>
           <a:p>
             <a:r>
-              <a:rPr lang="en-US" dirty="0" smtClean="0">
+              <a:rPr lang="en-US" dirty="0">
                 <a:solidFill>
                   <a:schemeClr val="accent1">
                     <a:lumMod val="75000"/>
@@ -4975,13 +4908,13 @@
               <a:t>function</a:t>
             </a:r>
             <a:r>
-              <a:rPr lang="en-US" dirty="0" smtClean="0"/>
+              <a:rPr lang="en-US" dirty="0"/>
               <a:t> User() {} </a:t>
             </a:r>
           </a:p>
           <a:p>
             <a:r>
-              <a:rPr lang="en-US" dirty="0" err="1" smtClean="0">
+              <a:rPr lang="en-US" dirty="0" err="1">
                 <a:solidFill>
                   <a:schemeClr val="accent1">
                     <a:lumMod val="75000"/>
@@ -4991,48 +4924,36 @@
               <a:t>var</a:t>
             </a:r>
             <a:r>
-              <a:rPr lang="en-US" dirty="0" smtClean="0"/>
+              <a:rPr lang="en-US" dirty="0"/>
               <a:t> user = new User(); </a:t>
             </a:r>
           </a:p>
           <a:p>
             <a:r>
-              <a:rPr lang="en-US" dirty="0" smtClean="0"/>
+              <a:rPr lang="en-US" dirty="0"/>
               <a:t>alert( user </a:t>
             </a:r>
             <a:r>
-              <a:rPr lang="en-US" dirty="0" err="1" smtClean="0"/>
+              <a:rPr lang="en-US" dirty="0" err="1"/>
               <a:t>instanceof</a:t>
             </a:r>
             <a:r>
-              <a:rPr lang="en-US" dirty="0" smtClean="0"/>
-              <a:t> User ); // </a:t>
-            </a:r>
-            <a:r>
-              <a:rPr lang="en-US" dirty="0" smtClean="0"/>
-              <a:t>true</a:t>
-            </a:r>
-            <a:endParaRPr lang="en-US" dirty="0" smtClean="0"/>
+              <a:rPr lang="en-US" dirty="0"/>
+              <a:t> User ); // true</a:t>
+            </a:r>
           </a:p>
         </p:txBody>
       </p:sp>
     </p:spTree>
     <p:extLst>
       <p:ext uri="{BB962C8B-B14F-4D97-AF65-F5344CB8AC3E}">
-        <p14:creationId xmlns:p14="http://schemas.microsoft.com/office/powerpoint/2010/main" xmlns="" val="9290874"/>
+        <p14:creationId xmlns:p14="http://schemas.microsoft.com/office/powerpoint/2010/main" val="9290874"/>
       </p:ext>
     </p:extLst>
   </p:cSld>
   <p:clrMapOvr>
     <a:masterClrMapping/>
   </p:clrMapOvr>
-  <p:timing>
-    <p:tnLst>
-      <p:par>
-        <p:cTn id="1" dur="indefinite" restart="never" nodeType="tmRoot"/>
-      </p:par>
-    </p:tnLst>
-  </p:timing>
 </p:sld>
 </file>
 
@@ -5074,18 +4995,13 @@
           <a:lstStyle/>
           <a:p>
             <a:r>
-              <a:rPr lang="en-US" sz="3600" b="1" dirty="0" err="1" smtClean="0"/>
+              <a:rPr lang="en-US" sz="3600" b="1" dirty="0" err="1"/>
               <a:t>JSON</a:t>
             </a:r>
             <a:r>
-              <a:rPr lang="en-US" sz="3600" b="1" dirty="0" smtClean="0"/>
-              <a:t> </a:t>
-            </a:r>
-            <a:r>
-              <a:rPr lang="en-US" sz="3600" b="1" dirty="0" smtClean="0"/>
-              <a:t> </a:t>
-            </a:r>
-            <a:endParaRPr lang="en-US" sz="3600" b="1" dirty="0"/>
+              <a:rPr lang="en-US" sz="3600" b="1" dirty="0"/>
+              <a:t>  </a:t>
+            </a:r>
           </a:p>
         </p:txBody>
       </p:sp>
@@ -5113,37 +5029,33 @@
           <a:p>
             <a:pPr algn="just"/>
             <a:r>
-              <a:rPr lang="ru-RU" dirty="0" smtClean="0"/>
+              <a:rPr lang="ru-RU" dirty="0"/>
               <a:t>Основные методы для работы с </a:t>
             </a:r>
             <a:r>
-              <a:rPr lang="ru-RU" dirty="0" err="1" smtClean="0"/>
+              <a:rPr lang="ru-RU" dirty="0" err="1"/>
               <a:t>JSON</a:t>
             </a:r>
             <a:r>
-              <a:rPr lang="ru-RU" dirty="0" smtClean="0"/>
+              <a:rPr lang="ru-RU" dirty="0"/>
               <a:t> в </a:t>
             </a:r>
             <a:r>
-              <a:rPr lang="ru-RU" dirty="0" err="1" smtClean="0"/>
+              <a:rPr lang="ru-RU" dirty="0" err="1"/>
               <a:t>JavaScript</a:t>
             </a:r>
             <a:r>
-              <a:rPr lang="ru-RU" dirty="0" smtClean="0"/>
-              <a:t> – это</a:t>
-            </a:r>
-            <a:r>
-              <a:rPr lang="ru-RU" dirty="0" smtClean="0"/>
-              <a:t>:</a:t>
-            </a:r>
-            <a:r>
-              <a:rPr lang="en-US" dirty="0" smtClean="0"/>
+              <a:rPr lang="ru-RU" dirty="0"/>
+              <a:t> – это:</a:t>
+            </a:r>
+            <a:r>
+              <a:rPr lang="en-US" dirty="0"/>
               <a:t> </a:t>
             </a:r>
           </a:p>
           <a:p>
             <a:pPr algn="just"/>
-            <a:endParaRPr lang="ru-RU" dirty="0" smtClean="0"/>
+            <a:endParaRPr lang="ru-RU" dirty="0"/>
           </a:p>
           <a:p>
             <a:pPr algn="just">
@@ -5151,41 +5063,37 @@
               <a:buChar char="§"/>
             </a:pPr>
             <a:r>
-              <a:rPr lang="en-US" dirty="0" smtClean="0"/>
+              <a:rPr lang="en-US" dirty="0"/>
+              <a:t>  </a:t>
+            </a:r>
+            <a:r>
+              <a:rPr lang="ru-RU" b="1" dirty="0" err="1"/>
+              <a:t>JSON.parse</a:t>
+            </a:r>
+            <a:r>
+              <a:rPr lang="ru-RU" b="1" dirty="0"/>
+              <a:t> </a:t>
+            </a:r>
+            <a:r>
+              <a:rPr lang="ru-RU" dirty="0"/>
+              <a:t>– читает объекты из строки в формате </a:t>
+            </a:r>
+            <a:r>
+              <a:rPr lang="ru-RU" dirty="0" err="1"/>
+              <a:t>JSON</a:t>
+            </a:r>
+            <a:r>
+              <a:rPr lang="ru-RU" dirty="0"/>
+              <a:t>.</a:t>
+            </a:r>
+            <a:r>
+              <a:rPr lang="en-US" dirty="0"/>
               <a:t> </a:t>
             </a:r>
-            <a:r>
-              <a:rPr lang="en-US" dirty="0" smtClean="0"/>
-              <a:t> </a:t>
-            </a:r>
-            <a:r>
-              <a:rPr lang="ru-RU" b="1" dirty="0" err="1" smtClean="0"/>
-              <a:t>JSON.parse</a:t>
-            </a:r>
-            <a:r>
-              <a:rPr lang="ru-RU" b="1" dirty="0" smtClean="0"/>
-              <a:t> </a:t>
-            </a:r>
-            <a:r>
-              <a:rPr lang="ru-RU" dirty="0" smtClean="0"/>
-              <a:t>– читает объекты из строки в формате </a:t>
-            </a:r>
-            <a:r>
-              <a:rPr lang="ru-RU" dirty="0" err="1" smtClean="0"/>
-              <a:t>JSON</a:t>
-            </a:r>
-            <a:r>
-              <a:rPr lang="ru-RU" dirty="0" smtClean="0"/>
-              <a:t>.</a:t>
-            </a:r>
-            <a:r>
-              <a:rPr lang="en-US" dirty="0" smtClean="0"/>
-              <a:t> </a:t>
-            </a:r>
           </a:p>
           <a:p>
             <a:pPr algn="just"/>
-            <a:endParaRPr lang="ru-RU" dirty="0" smtClean="0"/>
+            <a:endParaRPr lang="ru-RU" dirty="0"/>
           </a:p>
           <a:p>
             <a:pPr algn="just">
@@ -5193,35 +5101,35 @@
               <a:buChar char="§"/>
             </a:pPr>
             <a:r>
-              <a:rPr lang="en-US" dirty="0" smtClean="0"/>
+              <a:rPr lang="en-US" dirty="0"/>
               <a:t>  </a:t>
             </a:r>
             <a:r>
-              <a:rPr lang="ru-RU" b="1" dirty="0" err="1" smtClean="0"/>
+              <a:rPr lang="ru-RU" b="1" dirty="0" err="1"/>
               <a:t>JSON.stringify</a:t>
             </a:r>
             <a:r>
-              <a:rPr lang="ru-RU" b="1" dirty="0" smtClean="0"/>
+              <a:rPr lang="ru-RU" b="1" dirty="0"/>
               <a:t> </a:t>
             </a:r>
             <a:r>
-              <a:rPr lang="ru-RU" dirty="0" smtClean="0"/>
+              <a:rPr lang="ru-RU" dirty="0"/>
               <a:t>– превращает объекты в строку в формате </a:t>
             </a:r>
             <a:r>
-              <a:rPr lang="ru-RU" dirty="0" err="1" smtClean="0"/>
+              <a:rPr lang="ru-RU" dirty="0" err="1"/>
               <a:t>JSON</a:t>
             </a:r>
             <a:r>
-              <a:rPr lang="ru-RU" dirty="0" smtClean="0"/>
+              <a:rPr lang="ru-RU" dirty="0"/>
               <a:t>, используется, когда нужно из </a:t>
             </a:r>
             <a:r>
-              <a:rPr lang="ru-RU" dirty="0" err="1" smtClean="0"/>
+              <a:rPr lang="ru-RU" dirty="0" err="1"/>
               <a:t>JavaScript</a:t>
             </a:r>
             <a:r>
-              <a:rPr lang="ru-RU" dirty="0" smtClean="0"/>
+              <a:rPr lang="ru-RU" dirty="0"/>
               <a:t> передать данные по сети.</a:t>
             </a:r>
           </a:p>
@@ -5266,20 +5174,20 @@
           <a:lstStyle/>
           <a:p>
             <a:r>
-              <a:rPr lang="ru-RU" dirty="0" smtClean="0"/>
+              <a:rPr lang="ru-RU" dirty="0"/>
               <a:t>Пример</a:t>
             </a:r>
             <a:r>
-              <a:rPr lang="en-US" dirty="0" smtClean="0"/>
+              <a:rPr lang="en-US" dirty="0"/>
               <a:t>: </a:t>
             </a:r>
           </a:p>
           <a:p>
-            <a:endParaRPr lang="en-US" dirty="0" smtClean="0"/>
-          </a:p>
-          <a:p>
-            <a:r>
-              <a:rPr lang="en-US" dirty="0" smtClean="0">
+            <a:endParaRPr lang="en-US" dirty="0"/>
+          </a:p>
+          <a:p>
+            <a:r>
+              <a:rPr lang="en-US" dirty="0">
                 <a:solidFill>
                   <a:schemeClr val="accent1">
                     <a:lumMod val="75000"/>
@@ -5289,7 +5197,7 @@
               <a:t> </a:t>
             </a:r>
             <a:r>
-              <a:rPr lang="en-US" dirty="0" err="1" smtClean="0">
+              <a:rPr lang="en-US" dirty="0" err="1">
                 <a:solidFill>
                   <a:schemeClr val="accent1">
                     <a:lumMod val="75000"/>
@@ -5299,7 +5207,7 @@
               <a:t>var</a:t>
             </a:r>
             <a:r>
-              <a:rPr lang="en-US" dirty="0" smtClean="0">
+              <a:rPr lang="en-US" dirty="0">
                 <a:solidFill>
                   <a:schemeClr val="accent1">
                     <a:lumMod val="75000"/>
@@ -5309,41 +5217,40 @@
               <a:t> </a:t>
             </a:r>
             <a:r>
-              <a:rPr lang="en-US" dirty="0" smtClean="0"/>
+              <a:rPr lang="en-US" dirty="0"/>
               <a:t>user = '{ "name": "</a:t>
             </a:r>
             <a:r>
-              <a:rPr lang="uk-UA" dirty="0" smtClean="0"/>
+              <a:rPr lang="uk-UA" dirty="0"/>
               <a:t>Вася", </a:t>
             </a:r>
-            <a:endParaRPr lang="en-US" dirty="0" smtClean="0"/>
-          </a:p>
-          <a:p>
-            <a:r>
-              <a:rPr lang="uk-UA" dirty="0" smtClean="0"/>
+            <a:endParaRPr lang="en-US" dirty="0"/>
+          </a:p>
+          <a:p>
+            <a:r>
+              <a:rPr lang="uk-UA" dirty="0"/>
               <a:t>"</a:t>
             </a:r>
             <a:r>
-              <a:rPr lang="en-US" dirty="0" smtClean="0"/>
+              <a:rPr lang="en-US" dirty="0"/>
               <a:t>age": 35, </a:t>
             </a:r>
-            <a:endParaRPr lang="en-US" dirty="0" smtClean="0"/>
-          </a:p>
-          <a:p>
-            <a:r>
-              <a:rPr lang="en-US" dirty="0" smtClean="0"/>
+          </a:p>
+          <a:p>
+            <a:r>
+              <a:rPr lang="en-US" dirty="0"/>
               <a:t>"</a:t>
             </a:r>
             <a:r>
-              <a:rPr lang="en-US" dirty="0" err="1" smtClean="0"/>
+              <a:rPr lang="en-US" dirty="0" err="1"/>
               <a:t>isAdmin</a:t>
             </a:r>
             <a:r>
-              <a:rPr lang="en-US" dirty="0" smtClean="0"/>
+              <a:rPr lang="en-US" dirty="0"/>
               <a:t>": </a:t>
             </a:r>
             <a:r>
-              <a:rPr lang="en-US" dirty="0" smtClean="0">
+              <a:rPr lang="en-US" dirty="0">
                 <a:solidFill>
                   <a:schemeClr val="accent1">
                     <a:lumMod val="75000"/>
@@ -5353,21 +5260,15 @@
               <a:t>false</a:t>
             </a:r>
             <a:r>
-              <a:rPr lang="en-US" dirty="0" smtClean="0"/>
+              <a:rPr lang="en-US" dirty="0"/>
               <a:t>, </a:t>
             </a:r>
-            <a:endParaRPr lang="en-US" dirty="0" smtClean="0"/>
-          </a:p>
-          <a:p>
-            <a:r>
-              <a:rPr lang="en-US" dirty="0" smtClean="0"/>
-              <a:t>"</a:t>
-            </a:r>
-            <a:r>
-              <a:rPr lang="en-US" dirty="0" smtClean="0"/>
-              <a:t>friends": [0,1,2,3] }'; </a:t>
-            </a:r>
-            <a:endParaRPr lang="en-US" dirty="0"/>
+          </a:p>
+          <a:p>
+            <a:r>
+              <a:rPr lang="en-US" dirty="0"/>
+              <a:t>"friends": [0,1,2,3] }'; </a:t>
+            </a:r>
           </a:p>
         </p:txBody>
       </p:sp>
@@ -5395,50 +5296,46 @@
           <a:p>
             <a:pPr algn="just"/>
             <a:r>
-              <a:rPr lang="en-US" b="1" dirty="0" err="1" smtClean="0"/>
+              <a:rPr lang="en-US" b="1" dirty="0" err="1"/>
               <a:t>JSON</a:t>
             </a:r>
             <a:r>
-              <a:rPr lang="en-US" b="1" dirty="0" smtClean="0"/>
+              <a:rPr lang="en-US" b="1" dirty="0"/>
               <a:t> </a:t>
             </a:r>
             <a:r>
-              <a:rPr lang="ru-RU" dirty="0" smtClean="0"/>
+              <a:rPr lang="ru-RU" dirty="0"/>
               <a:t>(</a:t>
             </a:r>
             <a:r>
-              <a:rPr lang="en-US" dirty="0" smtClean="0"/>
+              <a:rPr lang="en-US" dirty="0"/>
               <a:t>JavaScript Object Notation </a:t>
             </a:r>
             <a:r>
-              <a:rPr lang="ru-RU" dirty="0" smtClean="0"/>
+              <a:rPr lang="ru-RU" dirty="0"/>
               <a:t>)</a:t>
             </a:r>
             <a:r>
-              <a:rPr lang="en-US" dirty="0" smtClean="0"/>
+              <a:rPr lang="en-US" dirty="0"/>
               <a:t>– </a:t>
             </a:r>
             <a:r>
-              <a:rPr lang="ru-RU" dirty="0" smtClean="0"/>
+              <a:rPr lang="ru-RU" dirty="0"/>
               <a:t>формат данных, который используется для представления объектов в виде строки. </a:t>
             </a:r>
           </a:p>
           <a:p>
             <a:pPr algn="just"/>
             <a:r>
-              <a:rPr lang="ru-RU" dirty="0" smtClean="0"/>
-              <a:t>Это </a:t>
-            </a:r>
-            <a:r>
-              <a:rPr lang="ru-RU" dirty="0" smtClean="0"/>
-              <a:t>один из наиболее удобных форматов данных при взаимодействии с </a:t>
-            </a:r>
-            <a:r>
-              <a:rPr lang="ru-RU" dirty="0" err="1" smtClean="0"/>
+              <a:rPr lang="ru-RU" dirty="0"/>
+              <a:t>Это один из наиболее удобных форматов данных при взаимодействии с </a:t>
+            </a:r>
+            <a:r>
+              <a:rPr lang="ru-RU" dirty="0" err="1"/>
               <a:t>JavaScript</a:t>
             </a:r>
             <a:r>
-              <a:rPr lang="ru-RU" dirty="0" smtClean="0"/>
+              <a:rPr lang="ru-RU" dirty="0"/>
               <a:t>.</a:t>
             </a:r>
             <a:endParaRPr lang="en-US" b="1" dirty="0"/>
@@ -5468,32 +5365,20 @@
           <a:lstStyle/>
           <a:p>
             <a:r>
-              <a:rPr lang="ru-RU" dirty="0" smtClean="0"/>
+              <a:rPr lang="ru-RU" dirty="0"/>
               <a:t>Данные в формате </a:t>
             </a:r>
             <a:r>
-              <a:rPr lang="ru-RU" dirty="0" err="1" smtClean="0"/>
+              <a:rPr lang="ru-RU" dirty="0" err="1"/>
               <a:t>JSON</a:t>
             </a:r>
             <a:r>
-              <a:rPr lang="ru-RU" dirty="0" smtClean="0"/>
-              <a:t> </a:t>
-            </a:r>
-            <a:r>
-              <a:rPr lang="ru-RU" dirty="0" smtClean="0"/>
-              <a:t>представляют </a:t>
-            </a:r>
-            <a:r>
-              <a:rPr lang="ru-RU" dirty="0" smtClean="0"/>
-              <a:t>собой</a:t>
-            </a:r>
-            <a:r>
-              <a:rPr lang="ru-RU" dirty="0" smtClean="0"/>
-              <a:t>: </a:t>
-            </a:r>
-          </a:p>
-          <a:p>
-            <a:endParaRPr lang="ru-RU" dirty="0" smtClean="0"/>
+              <a:rPr lang="ru-RU" dirty="0"/>
+              <a:t> представляют собой: </a:t>
+            </a:r>
+          </a:p>
+          <a:p>
+            <a:endParaRPr lang="ru-RU" dirty="0"/>
           </a:p>
           <a:p>
             <a:pPr>
@@ -5501,12 +5386,8 @@
               <a:buChar char="§"/>
             </a:pPr>
             <a:r>
-              <a:rPr lang="ru-RU" dirty="0" smtClean="0"/>
-              <a:t>  JavaScript-объекты</a:t>
-            </a:r>
-            <a:r>
-              <a:rPr lang="ru-RU" dirty="0" smtClean="0"/>
-              <a:t> { ... } </a:t>
+              <a:rPr lang="ru-RU" dirty="0"/>
+              <a:t>  JavaScript-объекты { ... } </a:t>
             </a:r>
           </a:p>
           <a:p>
@@ -5515,12 +5396,8 @@
               <a:buChar char="§"/>
             </a:pPr>
             <a:r>
-              <a:rPr lang="ru-RU" dirty="0" smtClean="0"/>
-              <a:t>  Массивы</a:t>
-            </a:r>
-            <a:r>
-              <a:rPr lang="ru-RU" dirty="0" smtClean="0"/>
-              <a:t> [ ... ] или</a:t>
+              <a:rPr lang="ru-RU" dirty="0"/>
+              <a:t>  Массивы [ ... ] или</a:t>
             </a:r>
           </a:p>
           <a:p>
@@ -5529,12 +5406,8 @@
               <a:buChar char="§"/>
             </a:pPr>
             <a:r>
-              <a:rPr lang="ru-RU" dirty="0" smtClean="0"/>
-              <a:t>  Значения </a:t>
-            </a:r>
-            <a:r>
-              <a:rPr lang="ru-RU" dirty="0" smtClean="0"/>
-              <a:t>одного из типов:</a:t>
+              <a:rPr lang="ru-RU" dirty="0"/>
+              <a:t>  Значения одного из типов:</a:t>
             </a:r>
           </a:p>
           <a:p>
@@ -5543,7 +5416,7 @@
               <a:buAutoNum type="arabicPeriod"/>
             </a:pPr>
             <a:r>
-              <a:rPr lang="ru-RU" dirty="0" smtClean="0"/>
+              <a:rPr lang="ru-RU" dirty="0"/>
               <a:t>строки в двойных кавычках,</a:t>
             </a:r>
           </a:p>
@@ -5553,7 +5426,7 @@
               <a:buAutoNum type="arabicPeriod"/>
             </a:pPr>
             <a:r>
-              <a:rPr lang="ru-RU" dirty="0" smtClean="0"/>
+              <a:rPr lang="ru-RU" dirty="0"/>
               <a:t>число,</a:t>
             </a:r>
           </a:p>
@@ -5563,23 +5436,23 @@
               <a:buAutoNum type="arabicPeriod"/>
             </a:pPr>
             <a:r>
-              <a:rPr lang="ru-RU" dirty="0" smtClean="0"/>
+              <a:rPr lang="ru-RU" dirty="0"/>
               <a:t>логическое значение </a:t>
             </a:r>
             <a:r>
-              <a:rPr lang="ru-RU" dirty="0" err="1" smtClean="0"/>
+              <a:rPr lang="ru-RU" dirty="0" err="1"/>
               <a:t>true</a:t>
             </a:r>
             <a:r>
-              <a:rPr lang="ru-RU" dirty="0" smtClean="0"/>
+              <a:rPr lang="ru-RU" dirty="0"/>
               <a:t>/</a:t>
             </a:r>
             <a:r>
-              <a:rPr lang="ru-RU" dirty="0" err="1" smtClean="0"/>
+              <a:rPr lang="ru-RU" dirty="0" err="1"/>
               <a:t>false</a:t>
             </a:r>
             <a:r>
-              <a:rPr lang="ru-RU" dirty="0" smtClean="0"/>
+              <a:rPr lang="ru-RU" dirty="0"/>
               <a:t>,</a:t>
             </a:r>
           </a:p>
@@ -5589,11 +5462,11 @@
               <a:buAutoNum type="arabicPeriod"/>
             </a:pPr>
             <a:r>
-              <a:rPr lang="ru-RU" dirty="0" err="1" smtClean="0"/>
+              <a:rPr lang="ru-RU" dirty="0" err="1"/>
               <a:t>null</a:t>
             </a:r>
             <a:r>
-              <a:rPr lang="ru-RU" dirty="0" smtClean="0"/>
+              <a:rPr lang="ru-RU" dirty="0"/>
               <a:t>.</a:t>
             </a:r>
           </a:p>
@@ -5605,20 +5478,13 @@
     </p:spTree>
     <p:extLst>
       <p:ext uri="{BB962C8B-B14F-4D97-AF65-F5344CB8AC3E}">
-        <p14:creationId xmlns:p14="http://schemas.microsoft.com/office/powerpoint/2010/main" xmlns="" val="9290874"/>
+        <p14:creationId xmlns:p14="http://schemas.microsoft.com/office/powerpoint/2010/main" val="9290874"/>
       </p:ext>
     </p:extLst>
   </p:cSld>
   <p:clrMapOvr>
     <a:masterClrMapping/>
   </p:clrMapOvr>
-  <p:timing>
-    <p:tnLst>
-      <p:par>
-        <p:cTn id="1" dur="indefinite" restart="never" nodeType="tmRoot"/>
-      </p:par>
-    </p:tnLst>
-  </p:timing>
 </p:sld>
 </file>
 
@@ -5660,23 +5526,23 @@
           <a:lstStyle/>
           <a:p>
             <a:r>
-              <a:rPr lang="en-US" sz="4400" dirty="0" err="1" smtClean="0"/>
+              <a:rPr lang="en-US" sz="4400" dirty="0" err="1"/>
               <a:t>setTimeout</a:t>
             </a:r>
             <a:r>
-              <a:rPr lang="en-US" sz="4400" dirty="0" smtClean="0"/>
+              <a:rPr lang="en-US" sz="4400" dirty="0"/>
               <a:t> </a:t>
             </a:r>
             <a:r>
-              <a:rPr lang="ru-RU" sz="3200" dirty="0" smtClean="0"/>
+              <a:rPr lang="ru-RU" sz="3200" dirty="0"/>
               <a:t>и</a:t>
             </a:r>
             <a:r>
-              <a:rPr lang="ru-RU" sz="4400" dirty="0" smtClean="0"/>
+              <a:rPr lang="ru-RU" sz="4400" dirty="0"/>
               <a:t> </a:t>
             </a:r>
             <a:r>
-              <a:rPr lang="en-US" sz="4400" dirty="0" err="1" smtClean="0"/>
+              <a:rPr lang="en-US" sz="4400" dirty="0" err="1"/>
               <a:t>setInterval</a:t>
             </a:r>
             <a:endParaRPr lang="en-US" sz="4400" dirty="0"/>
@@ -5707,15 +5573,15 @@
           <a:p>
             <a:pPr algn="just"/>
             <a:r>
-              <a:rPr lang="ru-RU" dirty="0" smtClean="0"/>
+              <a:rPr lang="ru-RU" dirty="0"/>
               <a:t>Почти все реализации </a:t>
             </a:r>
             <a:r>
-              <a:rPr lang="ru-RU" dirty="0" err="1" smtClean="0"/>
+              <a:rPr lang="ru-RU" dirty="0" err="1"/>
               <a:t>JavaScript</a:t>
             </a:r>
             <a:r>
-              <a:rPr lang="ru-RU" dirty="0" smtClean="0"/>
+              <a:rPr lang="ru-RU" dirty="0"/>
               <a:t> имеют внутренний таймер-планировщик, который позволяет задавать вызов функции через заданный период времени.</a:t>
             </a:r>
             <a:endParaRPr lang="en-US" dirty="0"/>
@@ -5759,35 +5625,35 @@
           <a:p>
             <a:pPr algn="ctr"/>
             <a:r>
-              <a:rPr lang="en-US" b="1" dirty="0" err="1" smtClean="0"/>
+              <a:rPr lang="en-US" b="1" dirty="0" err="1"/>
               <a:t>setTimeout</a:t>
             </a:r>
             <a:r>
-              <a:rPr lang="ru-RU" b="1" dirty="0" smtClean="0"/>
+              <a:rPr lang="ru-RU" b="1" dirty="0"/>
               <a:t> </a:t>
             </a:r>
             <a:r>
-              <a:rPr lang="en-US" b="1" dirty="0" smtClean="0"/>
+              <a:rPr lang="en-US" b="1" dirty="0"/>
               <a:t>()</a:t>
             </a:r>
-            <a:endParaRPr lang="ru-RU" b="1" dirty="0" smtClean="0"/>
-          </a:p>
-          <a:p>
-            <a:endParaRPr lang="ru-RU" b="1" dirty="0" smtClean="0"/>
-          </a:p>
-          <a:p>
-            <a:r>
-              <a:rPr lang="ru-RU" dirty="0" smtClean="0"/>
+            <a:endParaRPr lang="ru-RU" b="1" dirty="0"/>
+          </a:p>
+          <a:p>
+            <a:endParaRPr lang="ru-RU" b="1" dirty="0"/>
+          </a:p>
+          <a:p>
+            <a:r>
+              <a:rPr lang="ru-RU" dirty="0"/>
               <a:t>Синтаксис</a:t>
             </a:r>
             <a:r>
-              <a:rPr lang="en-US" dirty="0" smtClean="0"/>
+              <a:rPr lang="en-US" dirty="0"/>
               <a:t>: </a:t>
             </a:r>
           </a:p>
           <a:p>
             <a:r>
-              <a:rPr lang="en-US" dirty="0" err="1" smtClean="0">
+              <a:rPr lang="en-US" dirty="0" err="1">
                 <a:solidFill>
                   <a:schemeClr val="accent1">
                     <a:lumMod val="75000"/>
@@ -5797,47 +5663,47 @@
               <a:t>var</a:t>
             </a:r>
             <a:r>
-              <a:rPr lang="en-US" dirty="0" smtClean="0"/>
+              <a:rPr lang="en-US" dirty="0"/>
               <a:t> </a:t>
             </a:r>
             <a:r>
-              <a:rPr lang="en-US" dirty="0" err="1" smtClean="0"/>
+              <a:rPr lang="en-US" dirty="0" err="1"/>
               <a:t>timerId</a:t>
             </a:r>
             <a:r>
-              <a:rPr lang="en-US" dirty="0" smtClean="0"/>
+              <a:rPr lang="en-US" dirty="0"/>
               <a:t> = </a:t>
             </a:r>
             <a:r>
-              <a:rPr lang="en-US" dirty="0" err="1" smtClean="0"/>
+              <a:rPr lang="en-US" dirty="0" err="1"/>
               <a:t>setTimeout</a:t>
             </a:r>
             <a:r>
-              <a:rPr lang="en-US" dirty="0" smtClean="0"/>
+              <a:rPr lang="en-US" dirty="0"/>
               <a:t>(</a:t>
             </a:r>
             <a:r>
-              <a:rPr lang="en-US" dirty="0" err="1" smtClean="0"/>
+              <a:rPr lang="en-US" dirty="0" err="1"/>
               <a:t>func</a:t>
             </a:r>
             <a:r>
-              <a:rPr lang="en-US" dirty="0" smtClean="0"/>
+              <a:rPr lang="en-US" dirty="0"/>
               <a:t> / code, delay[, </a:t>
             </a:r>
             <a:r>
-              <a:rPr lang="en-US" dirty="0" err="1" smtClean="0"/>
+              <a:rPr lang="en-US" dirty="0" err="1"/>
               <a:t>arg1</a:t>
             </a:r>
             <a:r>
-              <a:rPr lang="en-US" dirty="0" smtClean="0"/>
+              <a:rPr lang="en-US" dirty="0"/>
               <a:t>, </a:t>
             </a:r>
             <a:r>
-              <a:rPr lang="en-US" dirty="0" err="1" smtClean="0"/>
+              <a:rPr lang="en-US" dirty="0" err="1"/>
               <a:t>arg2</a:t>
             </a:r>
             <a:r>
-              <a:rPr lang="en-US" dirty="0" smtClean="0"/>
+              <a:rPr lang="en-US" dirty="0"/>
               <a:t>...])</a:t>
             </a:r>
           </a:p>
@@ -5880,7 +5746,7 @@
           <a:p>
             <a:pPr algn="ctr"/>
             <a:r>
-              <a:rPr lang="ru-RU" dirty="0" smtClean="0"/>
+              <a:rPr lang="ru-RU" dirty="0"/>
               <a:t>Параметры:</a:t>
             </a:r>
           </a:p>
@@ -5890,34 +5756,30 @@
               <a:buChar char="§"/>
             </a:pPr>
             <a:r>
-              <a:rPr lang="en-US" dirty="0" smtClean="0"/>
+              <a:rPr lang="en-US" dirty="0"/>
               <a:t>  F</a:t>
             </a:r>
             <a:r>
-              <a:rPr lang="ru-RU" dirty="0" err="1" smtClean="0"/>
+              <a:rPr lang="ru-RU" dirty="0" err="1"/>
               <a:t>unc</a:t>
             </a:r>
             <a:r>
-              <a:rPr lang="ru-RU" dirty="0" smtClean="0"/>
+              <a:rPr lang="ru-RU" dirty="0"/>
               <a:t>/</a:t>
             </a:r>
             <a:r>
-              <a:rPr lang="ru-RU" dirty="0" err="1" smtClean="0"/>
+              <a:rPr lang="ru-RU" dirty="0" err="1"/>
               <a:t>code</a:t>
             </a:r>
             <a:r>
-              <a:rPr lang="en-US" dirty="0" smtClean="0"/>
+              <a:rPr lang="en-US" dirty="0"/>
               <a:t> - </a:t>
             </a:r>
             <a:r>
-              <a:rPr lang="ru-RU" dirty="0" smtClean="0"/>
-              <a:t>Функция </a:t>
-            </a:r>
-            <a:r>
-              <a:rPr lang="ru-RU" dirty="0" smtClean="0"/>
-              <a:t>или строка кода для исполнения. </a:t>
-            </a:r>
-            <a:endParaRPr lang="en-US" dirty="0" smtClean="0"/>
+              <a:rPr lang="ru-RU" dirty="0"/>
+              <a:t>Функция или строка кода для исполнения. </a:t>
+            </a:r>
+            <a:endParaRPr lang="en-US" dirty="0"/>
           </a:p>
           <a:p>
             <a:pPr>
@@ -5925,47 +5787,39 @@
               <a:buChar char="§"/>
             </a:pPr>
             <a:r>
-              <a:rPr lang="en-US" dirty="0" smtClean="0"/>
+              <a:rPr lang="en-US" dirty="0"/>
               <a:t>  D</a:t>
             </a:r>
             <a:r>
-              <a:rPr lang="ru-RU" dirty="0" err="1" smtClean="0"/>
+              <a:rPr lang="ru-RU" dirty="0" err="1"/>
               <a:t>elay</a:t>
             </a:r>
             <a:r>
-              <a:rPr lang="en-US" dirty="0" smtClean="0"/>
+              <a:rPr lang="en-US" dirty="0"/>
               <a:t>/Interval - </a:t>
             </a:r>
             <a:r>
-              <a:rPr lang="ru-RU" dirty="0" smtClean="0"/>
-              <a:t>Задержка </a:t>
-            </a:r>
-            <a:r>
-              <a:rPr lang="ru-RU" dirty="0" smtClean="0"/>
-              <a:t>в </a:t>
-            </a:r>
-            <a:r>
-              <a:rPr lang="ru-RU" dirty="0" err="1" smtClean="0"/>
+              <a:rPr lang="ru-RU" dirty="0"/>
+              <a:t>Задержка в </a:t>
+            </a:r>
+            <a:r>
+              <a:rPr lang="ru-RU" dirty="0" err="1"/>
               <a:t>милисекундах</a:t>
             </a:r>
             <a:r>
-              <a:rPr lang="ru-RU" dirty="0" smtClean="0"/>
+              <a:rPr lang="ru-RU" dirty="0"/>
               <a:t>, 1000 </a:t>
             </a:r>
             <a:r>
-              <a:rPr lang="ru-RU" dirty="0" err="1" smtClean="0"/>
+              <a:rPr lang="ru-RU" dirty="0" err="1"/>
               <a:t>милисекунд</a:t>
             </a:r>
             <a:r>
-              <a:rPr lang="ru-RU" dirty="0" smtClean="0"/>
-              <a:t> равны 1 секунде</a:t>
-            </a:r>
-            <a:r>
-              <a:rPr lang="ru-RU" dirty="0" smtClean="0"/>
-              <a:t>.</a:t>
-            </a:r>
-            <a:r>
-              <a:rPr lang="en-US" dirty="0" smtClean="0"/>
+              <a:rPr lang="ru-RU" dirty="0"/>
+              <a:t> равны 1 секунде.</a:t>
+            </a:r>
+            <a:r>
+              <a:rPr lang="en-US" dirty="0"/>
               <a:t> </a:t>
             </a:r>
           </a:p>
@@ -5975,36 +5829,32 @@
               <a:buChar char="§"/>
             </a:pPr>
             <a:r>
-              <a:rPr lang="en-US" dirty="0" smtClean="0"/>
+              <a:rPr lang="en-US" dirty="0"/>
               <a:t>  </a:t>
             </a:r>
             <a:r>
-              <a:rPr lang="ru-RU" dirty="0" err="1" smtClean="0"/>
+              <a:rPr lang="ru-RU" dirty="0" err="1"/>
               <a:t>arg1</a:t>
             </a:r>
             <a:r>
-              <a:rPr lang="ru-RU" dirty="0" smtClean="0"/>
+              <a:rPr lang="ru-RU" dirty="0"/>
               <a:t>, </a:t>
             </a:r>
             <a:r>
-              <a:rPr lang="ru-RU" dirty="0" err="1" smtClean="0"/>
+              <a:rPr lang="ru-RU" dirty="0" err="1"/>
               <a:t>arg2</a:t>
             </a:r>
             <a:r>
-              <a:rPr lang="ru-RU" dirty="0" smtClean="0"/>
+              <a:rPr lang="ru-RU" dirty="0"/>
               <a:t>…</a:t>
             </a:r>
             <a:r>
-              <a:rPr lang="en-US" dirty="0" smtClean="0"/>
+              <a:rPr lang="en-US" dirty="0"/>
               <a:t> - </a:t>
             </a:r>
             <a:r>
-              <a:rPr lang="ru-RU" dirty="0" smtClean="0"/>
-              <a:t>Аргументы</a:t>
-            </a:r>
-            <a:r>
-              <a:rPr lang="ru-RU" dirty="0" smtClean="0"/>
-              <a:t>, которые нужно передать функции. </a:t>
+              <a:rPr lang="ru-RU" dirty="0"/>
+              <a:t>Аргументы, которые нужно передать функции. </a:t>
             </a:r>
             <a:endParaRPr lang="en-US" dirty="0"/>
           </a:p>
@@ -6047,30 +5897,30 @@
           <a:p>
             <a:pPr algn="ctr"/>
             <a:r>
-              <a:rPr lang="en-US" b="1" dirty="0" err="1" smtClean="0"/>
+              <a:rPr lang="en-US" b="1" dirty="0" err="1"/>
               <a:t>setInterval</a:t>
             </a:r>
             <a:r>
-              <a:rPr lang="en-US" b="1" dirty="0" smtClean="0"/>
+              <a:rPr lang="en-US" b="1" dirty="0"/>
               <a:t>() </a:t>
             </a:r>
           </a:p>
           <a:p>
-            <a:endParaRPr lang="en-US" b="1" dirty="0" smtClean="0"/>
-          </a:p>
-          <a:p>
-            <a:r>
-              <a:rPr lang="ru-RU" dirty="0" smtClean="0"/>
+            <a:endParaRPr lang="en-US" b="1" dirty="0"/>
+          </a:p>
+          <a:p>
+            <a:r>
+              <a:rPr lang="ru-RU" dirty="0"/>
               <a:t>Синтаксис</a:t>
             </a:r>
             <a:r>
-              <a:rPr lang="en-US" dirty="0" smtClean="0"/>
+              <a:rPr lang="en-US" dirty="0"/>
               <a:t>: </a:t>
             </a:r>
           </a:p>
           <a:p>
             <a:r>
-              <a:rPr lang="en-US" dirty="0" err="1" smtClean="0">
+              <a:rPr lang="en-US" dirty="0" err="1">
                 <a:solidFill>
                   <a:schemeClr val="accent1">
                     <a:lumMod val="75000"/>
@@ -6080,7 +5930,7 @@
               <a:t>var</a:t>
             </a:r>
             <a:r>
-              <a:rPr lang="en-US" dirty="0" smtClean="0">
+              <a:rPr lang="en-US" dirty="0">
                 <a:solidFill>
                   <a:schemeClr val="accent1">
                     <a:lumMod val="75000"/>
@@ -6090,70 +5940,58 @@
               <a:t> </a:t>
             </a:r>
             <a:r>
-              <a:rPr lang="en-US" dirty="0" err="1" smtClean="0"/>
+              <a:rPr lang="en-US" dirty="0" err="1"/>
               <a:t>timerId</a:t>
             </a:r>
             <a:r>
-              <a:rPr lang="en-US" dirty="0" smtClean="0"/>
+              <a:rPr lang="en-US" dirty="0"/>
               <a:t> = </a:t>
             </a:r>
             <a:r>
-              <a:rPr lang="en-US" dirty="0" err="1" smtClean="0"/>
+              <a:rPr lang="en-US" dirty="0" err="1"/>
               <a:t>setInterval</a:t>
             </a:r>
             <a:r>
-              <a:rPr lang="en-US" dirty="0" smtClean="0"/>
+              <a:rPr lang="en-US" dirty="0"/>
               <a:t>(</a:t>
             </a:r>
             <a:r>
-              <a:rPr lang="en-US" dirty="0" err="1" smtClean="0"/>
+              <a:rPr lang="en-US" dirty="0" err="1"/>
               <a:t>func</a:t>
             </a:r>
             <a:r>
-              <a:rPr lang="en-US" dirty="0" smtClean="0"/>
-              <a:t> / code, </a:t>
-            </a:r>
-            <a:r>
-              <a:rPr lang="en-US" dirty="0" smtClean="0"/>
-              <a:t>interval[, </a:t>
-            </a:r>
-            <a:r>
-              <a:rPr lang="en-US" dirty="0" err="1" smtClean="0"/>
+              <a:rPr lang="en-US" dirty="0"/>
+              <a:t> / code, interval[, </a:t>
+            </a:r>
+            <a:r>
+              <a:rPr lang="en-US" dirty="0" err="1"/>
               <a:t>arg1</a:t>
             </a:r>
             <a:r>
-              <a:rPr lang="en-US" dirty="0" smtClean="0"/>
+              <a:rPr lang="en-US" dirty="0"/>
               <a:t>, </a:t>
             </a:r>
             <a:r>
-              <a:rPr lang="en-US" dirty="0" err="1" smtClean="0"/>
+              <a:rPr lang="en-US" dirty="0" err="1"/>
               <a:t>arg2</a:t>
             </a:r>
             <a:r>
-              <a:rPr lang="en-US" dirty="0" smtClean="0"/>
+              <a:rPr lang="en-US" dirty="0"/>
               <a:t>...])</a:t>
             </a:r>
-            <a:endParaRPr lang="en-US" dirty="0"/>
           </a:p>
         </p:txBody>
       </p:sp>
     </p:spTree>
     <p:extLst>
       <p:ext uri="{BB962C8B-B14F-4D97-AF65-F5344CB8AC3E}">
-        <p14:creationId xmlns:p14="http://schemas.microsoft.com/office/powerpoint/2010/main" xmlns="" val="9290874"/>
+        <p14:creationId xmlns:p14="http://schemas.microsoft.com/office/powerpoint/2010/main" val="9290874"/>
       </p:ext>
     </p:extLst>
   </p:cSld>
   <p:clrMapOvr>
     <a:masterClrMapping/>
   </p:clrMapOvr>
-  <p:timing>
-    <p:tnLst>
-      <p:par>
-        <p:cTn id="1" dur="indefinite" restart="never" nodeType="tmRoot"/>
-      </p:par>
-    </p:tnLst>
-  </p:timing>
 </p:sld>
 </file>
 
@@ -6195,15 +6033,15 @@
           <a:lstStyle/>
           <a:p>
             <a:r>
-              <a:rPr lang="ru-RU" b="1" dirty="0" smtClean="0"/>
+              <a:rPr lang="ru-RU" b="1" dirty="0"/>
               <a:t>Запуск кода из строки</a:t>
             </a:r>
             <a:r>
-              <a:rPr lang="ru-RU" sz="4000" b="1" dirty="0" smtClean="0"/>
+              <a:rPr lang="ru-RU" sz="4000" b="1" dirty="0"/>
               <a:t>. </a:t>
             </a:r>
             <a:r>
-              <a:rPr lang="en-US" sz="4000" b="1" dirty="0" err="1" smtClean="0"/>
+              <a:rPr lang="en-US" sz="4000" b="1" dirty="0" err="1"/>
               <a:t>Eval</a:t>
             </a:r>
             <a:endParaRPr lang="en-US" sz="4000" b="1" dirty="0"/>
@@ -6219,7 +6057,7 @@
         <p:spPr>
           <a:xfrm>
             <a:off x="539552" y="1484784"/>
-            <a:ext cx="2808312" cy="1754326"/>
+            <a:ext cx="2808312" cy="2031325"/>
           </a:xfrm>
           <a:prstGeom prst="rect">
             <a:avLst/>
@@ -6246,16 +6084,16 @@
           <a:lstStyle/>
           <a:p>
             <a:r>
-              <a:rPr lang="ru-RU" dirty="0" smtClean="0"/>
+              <a:rPr lang="ru-RU" dirty="0"/>
               <a:t>Пример</a:t>
             </a:r>
             <a:r>
-              <a:rPr lang="en-US" dirty="0" smtClean="0"/>
+              <a:rPr lang="en-US" dirty="0"/>
               <a:t>: </a:t>
             </a:r>
           </a:p>
           <a:p>
-            <a:endParaRPr lang="en-US" dirty="0" smtClean="0">
+            <a:endParaRPr lang="en-US" dirty="0">
               <a:solidFill>
                 <a:schemeClr val="accent1">
                   <a:lumMod val="75000"/>
@@ -6265,7 +6103,7 @@
           </a:p>
           <a:p>
             <a:r>
-              <a:rPr lang="en-US" dirty="0" err="1" smtClean="0">
+              <a:rPr lang="en-US" dirty="0" err="1">
                 <a:solidFill>
                   <a:schemeClr val="accent1">
                     <a:lumMod val="75000"/>
@@ -6275,7 +6113,7 @@
               <a:t>var</a:t>
             </a:r>
             <a:r>
-              <a:rPr lang="en-US" dirty="0" smtClean="0">
+              <a:rPr lang="en-US" dirty="0">
                 <a:solidFill>
                   <a:schemeClr val="accent1">
                     <a:lumMod val="75000"/>
@@ -6285,18 +6123,18 @@
               <a:t> </a:t>
             </a:r>
             <a:r>
-              <a:rPr lang="en-US" dirty="0" smtClean="0"/>
+              <a:rPr lang="en-US" dirty="0"/>
               <a:t>a = 1; </a:t>
             </a:r>
-            <a:endParaRPr lang="ru-RU" dirty="0" smtClean="0"/>
-          </a:p>
-          <a:p>
-            <a:r>
-              <a:rPr lang="en-US" dirty="0" smtClean="0"/>
+            <a:endParaRPr lang="ru-RU" dirty="0"/>
+          </a:p>
+          <a:p>
+            <a:r>
+              <a:rPr lang="en-US" dirty="0"/>
               <a:t>(</a:t>
             </a:r>
             <a:r>
-              <a:rPr lang="en-US" dirty="0" smtClean="0">
+              <a:rPr lang="en-US" dirty="0">
                 <a:solidFill>
                   <a:schemeClr val="accent1">
                     <a:lumMod val="75000"/>
@@ -6306,11 +6144,11 @@
               <a:t>function</a:t>
             </a:r>
             <a:r>
-              <a:rPr lang="en-US" dirty="0" smtClean="0"/>
+              <a:rPr lang="en-US" dirty="0"/>
               <a:t>() </a:t>
             </a:r>
             <a:r>
-              <a:rPr lang="en-US" dirty="0" smtClean="0">
+              <a:rPr lang="en-US" dirty="0">
                 <a:solidFill>
                   <a:schemeClr val="accent1">
                     <a:lumMod val="75000"/>
@@ -6319,8 +6157,27 @@
               </a:rPr>
               <a:t>{ </a:t>
             </a:r>
-            <a:r>
-              <a:rPr lang="en-US" dirty="0" err="1" smtClean="0">
+            <a:endParaRPr lang="ru-RU" dirty="0">
+              <a:solidFill>
+                <a:schemeClr val="accent1">
+                  <a:lumMod val="75000"/>
+                </a:schemeClr>
+              </a:solidFill>
+            </a:endParaRPr>
+          </a:p>
+          <a:p>
+            <a:r>
+              <a:rPr lang="ru-RU" dirty="0">
+                <a:solidFill>
+                  <a:schemeClr val="accent1">
+                    <a:lumMod val="75000"/>
+                  </a:schemeClr>
+                </a:solidFill>
+              </a:rPr>
+              <a:t>   </a:t>
+            </a:r>
+            <a:r>
+              <a:rPr lang="en-US" dirty="0" err="1">
                 <a:solidFill>
                   <a:schemeClr val="accent1">
                     <a:lumMod val="75000"/>
@@ -6330,7 +6187,7 @@
               <a:t>var</a:t>
             </a:r>
             <a:r>
-              <a:rPr lang="en-US" dirty="0" smtClean="0">
+              <a:rPr lang="en-US" dirty="0">
                 <a:solidFill>
                   <a:schemeClr val="accent1">
                     <a:lumMod val="75000"/>
@@ -6340,11 +6197,24 @@
               <a:t> </a:t>
             </a:r>
             <a:r>
-              <a:rPr lang="en-US" dirty="0" smtClean="0"/>
+              <a:rPr lang="en-US" dirty="0"/>
               <a:t>a = 2; </a:t>
             </a:r>
-            <a:r>
-              <a:rPr lang="en-US" dirty="0" err="1" smtClean="0">
+            <a:endParaRPr lang="ru-RU" dirty="0"/>
+          </a:p>
+          <a:p>
+            <a:r>
+              <a:rPr lang="ru-RU">
+                <a:solidFill>
+                  <a:schemeClr val="accent1">
+                    <a:lumMod val="75000"/>
+                  </a:schemeClr>
+                </a:solidFill>
+              </a:rPr>
+              <a:t>   </a:t>
+            </a:r>
+            <a:r>
+              <a:rPr lang="en-US">
                 <a:solidFill>
                   <a:schemeClr val="accent1">
                     <a:lumMod val="75000"/>
@@ -6354,17 +6224,16 @@
               <a:t>eval</a:t>
             </a:r>
             <a:r>
-              <a:rPr lang="en-US" dirty="0" smtClean="0"/>
+              <a:rPr lang="en-US" dirty="0"/>
               <a:t>(' alert(a) ');  </a:t>
             </a:r>
-            <a:endParaRPr lang="ru-RU" dirty="0" smtClean="0"/>
-          </a:p>
-          <a:p>
-            <a:r>
-              <a:rPr lang="en-US" dirty="0" smtClean="0"/>
+            <a:endParaRPr lang="ru-RU" dirty="0"/>
+          </a:p>
+          <a:p>
+            <a:r>
+              <a:rPr lang="en-US" dirty="0"/>
               <a:t>})()</a:t>
             </a:r>
-            <a:endParaRPr lang="en-US" dirty="0"/>
           </a:p>
         </p:txBody>
       </p:sp>
@@ -6391,48 +6260,48 @@
           <a:lstStyle/>
           <a:p>
             <a:r>
-              <a:rPr lang="ru-RU" dirty="0" smtClean="0"/>
+              <a:rPr lang="ru-RU" dirty="0"/>
               <a:t>Функция </a:t>
             </a:r>
             <a:r>
-              <a:rPr lang="ru-RU" b="1" dirty="0" err="1" smtClean="0"/>
+              <a:rPr lang="ru-RU" b="1" dirty="0" err="1"/>
               <a:t>eval</a:t>
             </a:r>
             <a:r>
-              <a:rPr lang="ru-RU" b="1" dirty="0" smtClean="0"/>
+              <a:rPr lang="ru-RU" b="1" dirty="0"/>
               <a:t>(</a:t>
             </a:r>
             <a:r>
-              <a:rPr lang="ru-RU" b="1" dirty="0" err="1" smtClean="0"/>
+              <a:rPr lang="ru-RU" b="1" dirty="0" err="1"/>
               <a:t>code</a:t>
             </a:r>
             <a:r>
-              <a:rPr lang="ru-RU" b="1" dirty="0" smtClean="0"/>
+              <a:rPr lang="ru-RU" b="1" dirty="0"/>
               <a:t>) </a:t>
             </a:r>
             <a:r>
-              <a:rPr lang="ru-RU" dirty="0" smtClean="0"/>
+              <a:rPr lang="ru-RU" dirty="0"/>
               <a:t>позволяет выполнить код, переданный ей в виде строки.</a:t>
             </a:r>
             <a:r>
-              <a:rPr lang="en-US" dirty="0" smtClean="0"/>
+              <a:rPr lang="en-US" dirty="0"/>
               <a:t> </a:t>
             </a:r>
           </a:p>
           <a:p>
-            <a:endParaRPr lang="ru-RU" dirty="0" smtClean="0"/>
-          </a:p>
-          <a:p>
-            <a:r>
-              <a:rPr lang="ru-RU" dirty="0" smtClean="0"/>
+            <a:endParaRPr lang="ru-RU" dirty="0"/>
+          </a:p>
+          <a:p>
+            <a:r>
+              <a:rPr lang="ru-RU" dirty="0"/>
               <a:t>Этот код будет выполнен в </a:t>
             </a:r>
             <a:r>
-              <a:rPr lang="ru-RU" i="1" dirty="0" smtClean="0"/>
+              <a:rPr lang="ru-RU" i="1" dirty="0"/>
               <a:t>текущей области видимости</a:t>
             </a:r>
             <a:r>
-              <a:rPr lang="ru-RU" dirty="0" smtClean="0"/>
+              <a:rPr lang="ru-RU" dirty="0"/>
               <a:t>.</a:t>
             </a:r>
           </a:p>
@@ -6464,90 +6333,82 @@
           <a:lstStyle/>
           <a:p>
             <a:r>
-              <a:rPr lang="ru-RU" dirty="0" smtClean="0"/>
+              <a:rPr lang="ru-RU" dirty="0"/>
               <a:t>Альтернатива методу </a:t>
             </a:r>
             <a:r>
-              <a:rPr lang="en-US" dirty="0" err="1" smtClean="0"/>
+              <a:rPr lang="en-US" dirty="0" err="1"/>
               <a:t>eval</a:t>
             </a:r>
             <a:r>
-              <a:rPr lang="en-US" dirty="0" smtClean="0"/>
+              <a:rPr lang="en-US" dirty="0"/>
               <a:t> – </a:t>
             </a:r>
             <a:r>
-              <a:rPr lang="ru-RU" dirty="0" smtClean="0"/>
+              <a:rPr lang="ru-RU" dirty="0"/>
               <a:t>конструктор </a:t>
             </a:r>
             <a:r>
-              <a:rPr lang="en-US" b="1" dirty="0" smtClean="0"/>
-              <a:t>new Function</a:t>
-            </a:r>
-            <a:r>
-              <a:rPr lang="en-US" b="1" dirty="0" smtClean="0"/>
-              <a:t>.</a:t>
-            </a:r>
-            <a:r>
-              <a:rPr lang="ru-RU" b="1" dirty="0" smtClean="0"/>
+              <a:rPr lang="en-US" b="1" dirty="0"/>
+              <a:t>new Function.</a:t>
+            </a:r>
+            <a:r>
+              <a:rPr lang="ru-RU" b="1" dirty="0"/>
               <a:t> </a:t>
             </a:r>
           </a:p>
           <a:p>
-            <a:endParaRPr lang="ru-RU" b="1" dirty="0" smtClean="0"/>
+            <a:endParaRPr lang="ru-RU" b="1" dirty="0"/>
           </a:p>
           <a:p>
             <a:pPr algn="just"/>
             <a:r>
-              <a:rPr lang="ru-RU" dirty="0" smtClean="0"/>
+              <a:rPr lang="ru-RU" dirty="0"/>
               <a:t>Вызов </a:t>
             </a:r>
             <a:r>
-              <a:rPr lang="ru-RU" dirty="0" err="1" smtClean="0"/>
+              <a:rPr lang="ru-RU" dirty="0" err="1"/>
               <a:t>new</a:t>
             </a:r>
             <a:r>
-              <a:rPr lang="ru-RU" dirty="0" smtClean="0"/>
+              <a:rPr lang="ru-RU" dirty="0"/>
               <a:t> </a:t>
             </a:r>
             <a:r>
-              <a:rPr lang="ru-RU" dirty="0" err="1" smtClean="0"/>
+              <a:rPr lang="ru-RU" dirty="0" err="1"/>
               <a:t>Function</a:t>
             </a:r>
             <a:r>
-              <a:rPr lang="ru-RU" dirty="0" smtClean="0"/>
+              <a:rPr lang="ru-RU" dirty="0"/>
               <a:t>('</a:t>
             </a:r>
             <a:r>
-              <a:rPr lang="ru-RU" dirty="0" err="1" smtClean="0"/>
+              <a:rPr lang="ru-RU" dirty="0" err="1"/>
               <a:t>a,b</a:t>
             </a:r>
             <a:r>
-              <a:rPr lang="ru-RU" dirty="0" smtClean="0"/>
+              <a:rPr lang="ru-RU" dirty="0"/>
               <a:t>', '..тело..') создает функцию с указанными аргументами </a:t>
             </a:r>
             <a:r>
-              <a:rPr lang="ru-RU" dirty="0" err="1" smtClean="0"/>
+              <a:rPr lang="ru-RU" dirty="0" err="1"/>
               <a:t>a,b</a:t>
             </a:r>
             <a:r>
-              <a:rPr lang="ru-RU" dirty="0" smtClean="0"/>
-              <a:t> и телом</a:t>
-            </a:r>
-            <a:r>
-              <a:rPr lang="ru-RU" dirty="0" smtClean="0"/>
-              <a:t>. Например</a:t>
-            </a:r>
-            <a:r>
-              <a:rPr lang="en-US" dirty="0" smtClean="0"/>
+              <a:rPr lang="ru-RU" dirty="0"/>
+              <a:t> и телом. Например</a:t>
+            </a:r>
+            <a:r>
+              <a:rPr lang="en-US" dirty="0"/>
               <a:t>: </a:t>
             </a:r>
           </a:p>
           <a:p>
-            <a:endParaRPr lang="en-US" dirty="0" smtClean="0"/>
-          </a:p>
-          <a:p>
-            <a:r>
-              <a:rPr lang="en-US" dirty="0" err="1" smtClean="0">
+            <a:endParaRPr lang="en-US" dirty="0"/>
+          </a:p>
+          <a:p>
+            <a:r>
+              <a:rPr lang="en-US" dirty="0" err="1">
                 <a:solidFill>
                   <a:schemeClr val="accent1">
                     <a:lumMod val="75000"/>
@@ -6557,13 +6418,13 @@
               <a:t>var</a:t>
             </a:r>
             <a:r>
-              <a:rPr lang="en-US" dirty="0" smtClean="0"/>
+              <a:rPr lang="en-US" dirty="0"/>
               <a:t> a = 2, b = 3; </a:t>
             </a:r>
           </a:p>
           <a:p>
             <a:r>
-              <a:rPr lang="en-US" dirty="0" err="1" smtClean="0">
+              <a:rPr lang="en-US" dirty="0" err="1">
                 <a:solidFill>
                   <a:schemeClr val="accent1">
                     <a:lumMod val="75000"/>
@@ -6573,19 +6434,19 @@
               <a:t>var</a:t>
             </a:r>
             <a:r>
-              <a:rPr lang="en-US" dirty="0" smtClean="0"/>
+              <a:rPr lang="en-US" dirty="0"/>
               <a:t> </a:t>
             </a:r>
             <a:r>
-              <a:rPr lang="en-US" dirty="0" err="1" smtClean="0"/>
+              <a:rPr lang="en-US" dirty="0" err="1"/>
               <a:t>mul</a:t>
             </a:r>
             <a:r>
-              <a:rPr lang="en-US" dirty="0" smtClean="0"/>
+              <a:rPr lang="en-US" dirty="0"/>
               <a:t> = </a:t>
             </a:r>
             <a:r>
-              <a:rPr lang="en-US" dirty="0" smtClean="0">
+              <a:rPr lang="en-US" dirty="0">
                 <a:solidFill>
                   <a:schemeClr val="accent1">
                     <a:lumMod val="75000"/>
@@ -6595,11 +6456,11 @@
               <a:t>new</a:t>
             </a:r>
             <a:r>
-              <a:rPr lang="en-US" dirty="0" smtClean="0"/>
+              <a:rPr lang="en-US" dirty="0"/>
               <a:t> Function('a, b', ' </a:t>
             </a:r>
             <a:r>
-              <a:rPr lang="en-US" dirty="0" smtClean="0">
+              <a:rPr lang="en-US" dirty="0">
                 <a:solidFill>
                   <a:schemeClr val="accent1">
                     <a:lumMod val="75000"/>
@@ -6609,49 +6470,36 @@
               <a:t>return</a:t>
             </a:r>
             <a:r>
-              <a:rPr lang="en-US" dirty="0" smtClean="0"/>
+              <a:rPr lang="en-US" dirty="0"/>
               <a:t> a * b;'); </a:t>
             </a:r>
-            <a:endParaRPr lang="en-US" dirty="0" smtClean="0"/>
-          </a:p>
-          <a:p>
-            <a:r>
-              <a:rPr lang="en-US" dirty="0" smtClean="0"/>
-              <a:t>alert</a:t>
-            </a:r>
-            <a:r>
-              <a:rPr lang="en-US" dirty="0" smtClean="0"/>
-              <a:t>( </a:t>
-            </a:r>
-            <a:r>
-              <a:rPr lang="en-US" dirty="0" err="1" smtClean="0"/>
+          </a:p>
+          <a:p>
+            <a:r>
+              <a:rPr lang="en-US" dirty="0"/>
+              <a:t>alert( </a:t>
+            </a:r>
+            <a:r>
+              <a:rPr lang="en-US" dirty="0" err="1"/>
               <a:t>mul</a:t>
             </a:r>
             <a:r>
-              <a:rPr lang="en-US" dirty="0" smtClean="0"/>
+              <a:rPr lang="en-US" dirty="0"/>
               <a:t>(a, b) ); // 6</a:t>
             </a:r>
-            <a:endParaRPr lang="en-US" dirty="0"/>
           </a:p>
         </p:txBody>
       </p:sp>
     </p:spTree>
     <p:extLst>
       <p:ext uri="{BB962C8B-B14F-4D97-AF65-F5344CB8AC3E}">
-        <p14:creationId xmlns:p14="http://schemas.microsoft.com/office/powerpoint/2010/main" xmlns="" val="9290874"/>
+        <p14:creationId xmlns:p14="http://schemas.microsoft.com/office/powerpoint/2010/main" val="9290874"/>
       </p:ext>
     </p:extLst>
   </p:cSld>
   <p:clrMapOvr>
     <a:masterClrMapping/>
   </p:clrMapOvr>
-  <p:timing>
-    <p:tnLst>
-      <p:par>
-        <p:cTn id="1" dur="indefinite" restart="never" nodeType="tmRoot"/>
-      </p:par>
-    </p:tnLst>
-  </p:timing>
 </p:sld>
 </file>
 
@@ -6685,7 +6533,7 @@
         <p:spPr>
           <a:xfrm>
             <a:off x="457200" y="279401"/>
-            <a:ext cx="8229600" cy="845343"/>
+            <a:ext cx="8229600" cy="701327"/>
           </a:xfrm>
         </p:spPr>
         <p:txBody>
@@ -6693,14 +6541,9 @@
           <a:lstStyle/>
           <a:p>
             <a:r>
-              <a:rPr lang="en-US" sz="4400" b="1" dirty="0" smtClean="0"/>
-              <a:t>t</a:t>
-            </a:r>
-            <a:r>
-              <a:rPr lang="en-US" sz="4400" b="1" dirty="0" smtClean="0"/>
-              <a:t>ry … catch</a:t>
-            </a:r>
-            <a:endParaRPr lang="en-US" sz="4400" b="1" dirty="0"/>
+              <a:rPr lang="en-US" sz="4400" b="1" dirty="0"/>
+              <a:t>try … catch</a:t>
+            </a:r>
           </a:p>
         </p:txBody>
       </p:sp>
@@ -6740,20 +6583,20 @@
           <a:lstStyle/>
           <a:p>
             <a:r>
-              <a:rPr lang="ru-RU" dirty="0" smtClean="0"/>
+              <a:rPr lang="ru-RU" dirty="0"/>
               <a:t>Пример</a:t>
             </a:r>
             <a:r>
-              <a:rPr lang="en-US" dirty="0" smtClean="0"/>
+              <a:rPr lang="en-US" dirty="0"/>
               <a:t>: </a:t>
             </a:r>
           </a:p>
           <a:p>
-            <a:endParaRPr lang="en-US" dirty="0" smtClean="0"/>
-          </a:p>
-          <a:p>
-            <a:r>
-              <a:rPr lang="en-US" dirty="0" err="1" smtClean="0">
+            <a:endParaRPr lang="en-US" dirty="0"/>
+          </a:p>
+          <a:p>
+            <a:r>
+              <a:rPr lang="en-US" dirty="0" err="1">
                 <a:solidFill>
                   <a:schemeClr val="accent1">
                     <a:lumMod val="75000"/>
@@ -6763,17 +6606,16 @@
               <a:t>var</a:t>
             </a:r>
             <a:r>
-              <a:rPr lang="en-US" dirty="0" smtClean="0"/>
+              <a:rPr lang="en-US" dirty="0"/>
               <a:t> data = "Has Error"; </a:t>
             </a:r>
-            <a:endParaRPr lang="en-US" dirty="0" smtClean="0"/>
-          </a:p>
-          <a:p>
-            <a:endParaRPr lang="en-US" dirty="0" smtClean="0"/>
-          </a:p>
-          <a:p>
-            <a:r>
-              <a:rPr lang="en-US" dirty="0" smtClean="0">
+          </a:p>
+          <a:p>
+            <a:endParaRPr lang="en-US" dirty="0"/>
+          </a:p>
+          <a:p>
+            <a:r>
+              <a:rPr lang="en-US" dirty="0">
                 <a:solidFill>
                   <a:schemeClr val="accent1">
                     <a:lumMod val="75000"/>
@@ -6783,187 +6625,153 @@
               <a:t>try</a:t>
             </a:r>
             <a:r>
-              <a:rPr lang="en-US" dirty="0" smtClean="0"/>
+              <a:rPr lang="en-US" dirty="0"/>
               <a:t> {</a:t>
             </a:r>
           </a:p>
           <a:p>
             <a:r>
-              <a:rPr lang="en-US" dirty="0" smtClean="0"/>
+              <a:rPr lang="en-US" dirty="0"/>
               <a:t> </a:t>
             </a:r>
             <a:r>
-              <a:rPr lang="en-US" dirty="0" err="1" smtClean="0"/>
+              <a:rPr lang="en-US" dirty="0" err="1"/>
               <a:t>var</a:t>
             </a:r>
             <a:r>
-              <a:rPr lang="en-US" dirty="0" smtClean="0"/>
+              <a:rPr lang="en-US" dirty="0"/>
               <a:t> user = </a:t>
             </a:r>
             <a:r>
-              <a:rPr lang="en-US" dirty="0" err="1" smtClean="0"/>
+              <a:rPr lang="en-US" dirty="0" err="1"/>
               <a:t>JSON.parse</a:t>
             </a:r>
             <a:r>
-              <a:rPr lang="en-US" dirty="0" smtClean="0"/>
-              <a:t>(data); </a:t>
-            </a:r>
-            <a:r>
-              <a:rPr lang="en-US" dirty="0" smtClean="0"/>
-              <a:t>alert</a:t>
-            </a:r>
-            <a:r>
-              <a:rPr lang="en-US" dirty="0" smtClean="0"/>
-              <a:t>( </a:t>
-            </a:r>
-            <a:r>
-              <a:rPr lang="en-US" dirty="0" err="1" smtClean="0"/>
+              <a:rPr lang="en-US" dirty="0"/>
+              <a:t>(data); alert( </a:t>
+            </a:r>
+            <a:r>
+              <a:rPr lang="en-US" dirty="0" err="1"/>
               <a:t>user.name</a:t>
             </a:r>
             <a:r>
-              <a:rPr lang="en-US" dirty="0" smtClean="0"/>
+              <a:rPr lang="en-US" dirty="0"/>
+              <a:t> ); </a:t>
+            </a:r>
+            <a:r>
+              <a:rPr lang="uk-UA" dirty="0"/>
+              <a:t>}</a:t>
+            </a:r>
+            <a:r>
+              <a:rPr lang="en-US" dirty="0"/>
               <a:t> </a:t>
             </a:r>
             <a:r>
-              <a:rPr lang="en-US" dirty="0" smtClean="0"/>
-              <a:t>); </a:t>
-            </a:r>
-            <a:r>
-              <a:rPr lang="uk-UA" dirty="0" smtClean="0"/>
-              <a:t>}</a:t>
-            </a:r>
-            <a:r>
-              <a:rPr lang="en-US" dirty="0" smtClean="0"/>
+              <a:rPr lang="uk-UA" dirty="0"/>
               <a:t> </a:t>
             </a:r>
-            <a:r>
-              <a:rPr lang="uk-UA" dirty="0" smtClean="0"/>
+            <a:endParaRPr lang="en-US" dirty="0"/>
+          </a:p>
+          <a:p>
+            <a:endParaRPr lang="en-US" dirty="0"/>
+          </a:p>
+          <a:p>
+            <a:r>
+              <a:rPr lang="en-US" dirty="0"/>
+              <a:t>catch (e) {</a:t>
+            </a:r>
+          </a:p>
+          <a:p>
+            <a:pPr algn="just"/>
+            <a:r>
+              <a:rPr lang="en-US" dirty="0"/>
+              <a:t>alert( "</a:t>
+            </a:r>
+            <a:r>
+              <a:rPr lang="uk-UA" dirty="0" err="1"/>
+              <a:t>Извините</a:t>
+            </a:r>
+            <a:r>
+              <a:rPr lang="uk-UA" dirty="0"/>
+              <a:t>, в </a:t>
+            </a:r>
+            <a:r>
+              <a:rPr lang="uk-UA" dirty="0" err="1"/>
+              <a:t>данных</a:t>
+            </a:r>
+            <a:r>
+              <a:rPr lang="uk-UA" dirty="0"/>
               <a:t> </a:t>
             </a:r>
-            <a:endParaRPr lang="en-US" dirty="0" smtClean="0"/>
-          </a:p>
-          <a:p>
-            <a:endParaRPr lang="en-US" dirty="0" smtClean="0"/>
-          </a:p>
-          <a:p>
-            <a:r>
-              <a:rPr lang="en-US" dirty="0" smtClean="0"/>
-              <a:t>catch </a:t>
-            </a:r>
-            <a:r>
-              <a:rPr lang="en-US" dirty="0" smtClean="0"/>
-              <a:t>(e) </a:t>
-            </a:r>
-            <a:r>
-              <a:rPr lang="en-US" dirty="0" smtClean="0"/>
-              <a:t>{</a:t>
-            </a:r>
-          </a:p>
-          <a:p>
-            <a:pPr algn="just"/>
-            <a:r>
-              <a:rPr lang="en-US" dirty="0" smtClean="0"/>
-              <a:t>alert</a:t>
-            </a:r>
-            <a:r>
-              <a:rPr lang="en-US" dirty="0" smtClean="0"/>
-              <a:t>( "</a:t>
-            </a:r>
-            <a:r>
-              <a:rPr lang="uk-UA" dirty="0" err="1" smtClean="0"/>
-              <a:t>Извините</a:t>
-            </a:r>
-            <a:r>
-              <a:rPr lang="uk-UA" dirty="0" smtClean="0"/>
-              <a:t>, в </a:t>
-            </a:r>
-            <a:r>
-              <a:rPr lang="uk-UA" dirty="0" err="1" smtClean="0"/>
-              <a:t>данных</a:t>
-            </a:r>
-            <a:r>
-              <a:rPr lang="uk-UA" dirty="0" smtClean="0"/>
+            <a:r>
+              <a:rPr lang="uk-UA" dirty="0" err="1"/>
+              <a:t>ошибка</a:t>
+            </a:r>
+            <a:r>
+              <a:rPr lang="uk-UA" dirty="0"/>
+              <a:t>, </a:t>
+            </a:r>
+            <a:r>
+              <a:rPr lang="uk-UA" dirty="0" err="1"/>
+              <a:t>мы</a:t>
+            </a:r>
+            <a:r>
+              <a:rPr lang="uk-UA" dirty="0"/>
               <a:t> </a:t>
             </a:r>
             <a:r>
-              <a:rPr lang="uk-UA" dirty="0" err="1" smtClean="0"/>
-              <a:t>ошибка</a:t>
-            </a:r>
-            <a:r>
-              <a:rPr lang="uk-UA" dirty="0" smtClean="0"/>
-              <a:t>, </a:t>
-            </a:r>
-            <a:r>
-              <a:rPr lang="uk-UA" dirty="0" err="1" smtClean="0"/>
-              <a:t>мы</a:t>
-            </a:r>
-            <a:r>
-              <a:rPr lang="uk-UA" dirty="0" smtClean="0"/>
+              <a:rPr lang="uk-UA" dirty="0" err="1"/>
+              <a:t>попробуем</a:t>
+            </a:r>
+            <a:r>
+              <a:rPr lang="uk-UA" dirty="0"/>
+              <a:t> получить </a:t>
+            </a:r>
+            <a:r>
+              <a:rPr lang="uk-UA" dirty="0" err="1"/>
+              <a:t>их</a:t>
+            </a:r>
+            <a:r>
+              <a:rPr lang="uk-UA" dirty="0"/>
               <a:t> </a:t>
             </a:r>
             <a:r>
-              <a:rPr lang="uk-UA" dirty="0" err="1" smtClean="0"/>
-              <a:t>попробуем</a:t>
-            </a:r>
-            <a:r>
-              <a:rPr lang="uk-UA" dirty="0" smtClean="0"/>
-              <a:t> получить </a:t>
-            </a:r>
-            <a:r>
-              <a:rPr lang="uk-UA" dirty="0" err="1" smtClean="0"/>
-              <a:t>их</a:t>
-            </a:r>
-            <a:r>
-              <a:rPr lang="uk-UA" dirty="0" smtClean="0"/>
-              <a:t> </a:t>
-            </a:r>
-            <a:r>
-              <a:rPr lang="uk-UA" dirty="0" err="1" smtClean="0"/>
+              <a:rPr lang="uk-UA" dirty="0" err="1"/>
               <a:t>ещё</a:t>
             </a:r>
             <a:r>
-              <a:rPr lang="uk-UA" dirty="0" smtClean="0"/>
+              <a:rPr lang="uk-UA" dirty="0"/>
               <a:t> раз" ); </a:t>
             </a:r>
-            <a:endParaRPr lang="en-US" dirty="0" smtClean="0"/>
-          </a:p>
-          <a:p>
-            <a:r>
-              <a:rPr lang="en-US" dirty="0" smtClean="0"/>
-              <a:t>alert</a:t>
-            </a:r>
-            <a:r>
-              <a:rPr lang="en-US" dirty="0" smtClean="0"/>
-              <a:t>( </a:t>
-            </a:r>
-            <a:r>
-              <a:rPr lang="en-US" dirty="0" err="1" smtClean="0"/>
+            <a:endParaRPr lang="en-US" dirty="0"/>
+          </a:p>
+          <a:p>
+            <a:r>
+              <a:rPr lang="en-US" dirty="0"/>
+              <a:t>alert( </a:t>
+            </a:r>
+            <a:r>
+              <a:rPr lang="en-US" dirty="0" err="1"/>
               <a:t>e.name</a:t>
             </a:r>
             <a:r>
-              <a:rPr lang="en-US" dirty="0" smtClean="0"/>
+              <a:rPr lang="en-US" dirty="0"/>
               <a:t> ); </a:t>
             </a:r>
-            <a:endParaRPr lang="en-US" dirty="0" smtClean="0"/>
-          </a:p>
-          <a:p>
-            <a:r>
-              <a:rPr lang="en-US" dirty="0" smtClean="0"/>
-              <a:t>alert</a:t>
-            </a:r>
-            <a:r>
-              <a:rPr lang="en-US" dirty="0" smtClean="0"/>
-              <a:t>( </a:t>
-            </a:r>
-            <a:r>
-              <a:rPr lang="en-US" dirty="0" err="1" smtClean="0"/>
+          </a:p>
+          <a:p>
+            <a:r>
+              <a:rPr lang="en-US" dirty="0"/>
+              <a:t>alert( </a:t>
+            </a:r>
+            <a:r>
+              <a:rPr lang="en-US" dirty="0" err="1"/>
               <a:t>e.message</a:t>
             </a:r>
             <a:r>
-              <a:rPr lang="en-US" dirty="0" smtClean="0"/>
+              <a:rPr lang="en-US" dirty="0"/>
               <a:t> ); }</a:t>
             </a:r>
-            <a:endParaRPr lang="en-US" dirty="0"/>
           </a:p>
         </p:txBody>
       </p:sp>
@@ -6990,55 +6798,51 @@
           <a:lstStyle/>
           <a:p>
             <a:r>
-              <a:rPr lang="ru-RU" dirty="0" smtClean="0"/>
+              <a:rPr lang="ru-RU" dirty="0"/>
               <a:t>Конструкция </a:t>
             </a:r>
             <a:r>
-              <a:rPr lang="ru-RU" b="1" dirty="0" err="1" smtClean="0"/>
+              <a:rPr lang="ru-RU" b="1" dirty="0" err="1"/>
               <a:t>try</a:t>
             </a:r>
             <a:r>
-              <a:rPr lang="en-US" b="1" dirty="0" smtClean="0"/>
+              <a:rPr lang="en-US" b="1" dirty="0"/>
               <a:t> </a:t>
             </a:r>
             <a:r>
-              <a:rPr lang="ru-RU" b="1" dirty="0" smtClean="0"/>
+              <a:rPr lang="ru-RU" b="1" dirty="0"/>
               <a:t>…</a:t>
             </a:r>
             <a:r>
-              <a:rPr lang="en-US" b="1" dirty="0" smtClean="0"/>
+              <a:rPr lang="en-US" b="1" dirty="0"/>
               <a:t> </a:t>
             </a:r>
             <a:r>
-              <a:rPr lang="ru-RU" b="1" dirty="0" err="1" smtClean="0"/>
+              <a:rPr lang="ru-RU" b="1" dirty="0" err="1"/>
               <a:t>catch</a:t>
             </a:r>
             <a:r>
-              <a:rPr lang="ru-RU" dirty="0" smtClean="0"/>
+              <a:rPr lang="ru-RU" dirty="0"/>
               <a:t> состоит из двух основных блоков: </a:t>
             </a:r>
             <a:r>
-              <a:rPr lang="ru-RU" b="1" dirty="0" err="1" smtClean="0"/>
+              <a:rPr lang="ru-RU" b="1" dirty="0" err="1"/>
               <a:t>try</a:t>
             </a:r>
             <a:r>
-              <a:rPr lang="ru-RU" dirty="0" smtClean="0"/>
-              <a:t>, и </a:t>
-            </a:r>
-            <a:r>
-              <a:rPr lang="ru-RU" dirty="0" smtClean="0"/>
-              <a:t>затем</a:t>
-            </a:r>
-            <a:r>
-              <a:rPr lang="en-US" dirty="0" smtClean="0"/>
+              <a:rPr lang="ru-RU" dirty="0"/>
+              <a:t>, и затем</a:t>
+            </a:r>
+            <a:r>
+              <a:rPr lang="en-US" dirty="0"/>
               <a:t> </a:t>
             </a:r>
             <a:r>
-              <a:rPr lang="ru-RU" b="1" dirty="0" err="1" smtClean="0"/>
+              <a:rPr lang="ru-RU" b="1" dirty="0" err="1"/>
               <a:t>catch</a:t>
             </a:r>
             <a:r>
-              <a:rPr lang="ru-RU" dirty="0" smtClean="0"/>
+              <a:rPr lang="ru-RU" dirty="0"/>
               <a:t>:</a:t>
             </a:r>
             <a:endParaRPr lang="en-US" dirty="0"/>
@@ -7068,17 +6872,17 @@
           <a:lstStyle/>
           <a:p>
             <a:r>
-              <a:rPr lang="ru-RU" dirty="0" smtClean="0"/>
+              <a:rPr lang="ru-RU" dirty="0"/>
               <a:t>Алгоритм работы </a:t>
             </a:r>
             <a:r>
-              <a:rPr lang="en-US" dirty="0" smtClean="0"/>
+              <a:rPr lang="en-US" dirty="0"/>
               <a:t>try … catch: </a:t>
             </a:r>
           </a:p>
           <a:p>
             <a:pPr algn="just"/>
-            <a:endParaRPr lang="ru-RU" dirty="0" smtClean="0"/>
+            <a:endParaRPr lang="ru-RU" dirty="0"/>
           </a:p>
           <a:p>
             <a:pPr algn="just">
@@ -7086,23 +6890,23 @@
               <a:buChar char="§"/>
             </a:pPr>
             <a:r>
-              <a:rPr lang="en-US" dirty="0" smtClean="0"/>
+              <a:rPr lang="en-US" dirty="0"/>
               <a:t>  </a:t>
             </a:r>
             <a:r>
-              <a:rPr lang="ru-RU" dirty="0" smtClean="0"/>
+              <a:rPr lang="ru-RU" dirty="0"/>
               <a:t>Выполняется код внутри блока </a:t>
             </a:r>
             <a:r>
-              <a:rPr lang="ru-RU" dirty="0" err="1" smtClean="0"/>
+              <a:rPr lang="ru-RU" dirty="0" err="1"/>
               <a:t>try</a:t>
             </a:r>
             <a:r>
-              <a:rPr lang="ru-RU" dirty="0" smtClean="0"/>
+              <a:rPr lang="ru-RU" dirty="0"/>
               <a:t>.</a:t>
             </a:r>
             <a:r>
-              <a:rPr lang="en-US" dirty="0" smtClean="0"/>
+              <a:rPr lang="en-US" dirty="0"/>
               <a:t> </a:t>
             </a:r>
           </a:p>
@@ -7111,7 +6915,7 @@
               <a:buFont typeface="Wingdings" pitchFamily="2" charset="2"/>
               <a:buChar char="§"/>
             </a:pPr>
-            <a:endParaRPr lang="ru-RU" dirty="0" smtClean="0"/>
+            <a:endParaRPr lang="ru-RU" dirty="0"/>
           </a:p>
           <a:p>
             <a:pPr algn="just">
@@ -7119,47 +6923,43 @@
               <a:buChar char="§"/>
             </a:pPr>
             <a:r>
-              <a:rPr lang="en-US" dirty="0" smtClean="0"/>
+              <a:rPr lang="en-US" dirty="0"/>
               <a:t>  </a:t>
             </a:r>
             <a:r>
-              <a:rPr lang="ru-RU" dirty="0" smtClean="0"/>
-              <a:t>Если </a:t>
-            </a:r>
-            <a:r>
-              <a:rPr lang="ru-RU" dirty="0" smtClean="0"/>
-              <a:t>в нём ошибок нет, то блок </a:t>
-            </a:r>
-            <a:r>
-              <a:rPr lang="ru-RU" dirty="0" err="1" smtClean="0"/>
+              <a:rPr lang="ru-RU" dirty="0"/>
+              <a:t>Если в нём ошибок нет, то блок </a:t>
+            </a:r>
+            <a:r>
+              <a:rPr lang="ru-RU" dirty="0" err="1"/>
               <a:t>catch</a:t>
             </a:r>
             <a:r>
-              <a:rPr lang="ru-RU" dirty="0" smtClean="0"/>
+              <a:rPr lang="ru-RU" dirty="0"/>
               <a:t>(</a:t>
             </a:r>
             <a:r>
-              <a:rPr lang="ru-RU" dirty="0" err="1" smtClean="0"/>
+              <a:rPr lang="ru-RU" dirty="0" err="1"/>
               <a:t>err</a:t>
             </a:r>
             <a:r>
-              <a:rPr lang="ru-RU" dirty="0" smtClean="0"/>
+              <a:rPr lang="ru-RU" dirty="0"/>
               <a:t>) игнорируется, то есть выполнение доходит до конца </a:t>
             </a:r>
             <a:r>
-              <a:rPr lang="ru-RU" dirty="0" err="1" smtClean="0"/>
+              <a:rPr lang="ru-RU" dirty="0" err="1"/>
               <a:t>try</a:t>
             </a:r>
             <a:r>
-              <a:rPr lang="ru-RU" dirty="0" smtClean="0"/>
+              <a:rPr lang="ru-RU" dirty="0"/>
               <a:t> и потом прыгает через </a:t>
             </a:r>
             <a:r>
-              <a:rPr lang="ru-RU" dirty="0" err="1" smtClean="0"/>
+              <a:rPr lang="ru-RU" dirty="0" err="1"/>
               <a:t>catch</a:t>
             </a:r>
             <a:r>
-              <a:rPr lang="ru-RU" dirty="0" smtClean="0"/>
+              <a:rPr lang="ru-RU" dirty="0"/>
               <a:t>.</a:t>
             </a:r>
           </a:p>
@@ -7168,7 +6968,7 @@
               <a:buFont typeface="Wingdings" pitchFamily="2" charset="2"/>
               <a:buChar char="§"/>
             </a:pPr>
-            <a:endParaRPr lang="en-US" dirty="0" smtClean="0"/>
+            <a:endParaRPr lang="en-US" dirty="0"/>
           </a:p>
           <a:p>
             <a:pPr algn="just">
@@ -7176,39 +6976,35 @@
               <a:buChar char="§"/>
             </a:pPr>
             <a:r>
-              <a:rPr lang="en-US" dirty="0" smtClean="0"/>
+              <a:rPr lang="en-US" dirty="0"/>
               <a:t>  </a:t>
             </a:r>
             <a:r>
-              <a:rPr lang="ru-RU" dirty="0" smtClean="0"/>
-              <a:t>Если </a:t>
-            </a:r>
-            <a:r>
-              <a:rPr lang="ru-RU" dirty="0" smtClean="0"/>
-              <a:t>в нём возникнет ошибка, то выполнение </a:t>
-            </a:r>
-            <a:r>
-              <a:rPr lang="ru-RU" dirty="0" err="1" smtClean="0"/>
+              <a:rPr lang="ru-RU" dirty="0"/>
+              <a:t>Если в нём возникнет ошибка, то выполнение </a:t>
+            </a:r>
+            <a:r>
+              <a:rPr lang="ru-RU" dirty="0" err="1"/>
               <a:t>try</a:t>
             </a:r>
             <a:r>
-              <a:rPr lang="ru-RU" dirty="0" smtClean="0"/>
+              <a:rPr lang="ru-RU" dirty="0"/>
               <a:t> на ней прерывается, и управление прыгает в начало блока </a:t>
             </a:r>
             <a:r>
-              <a:rPr lang="ru-RU" dirty="0" err="1" smtClean="0"/>
+              <a:rPr lang="ru-RU" dirty="0" err="1"/>
               <a:t>catch</a:t>
             </a:r>
             <a:r>
-              <a:rPr lang="ru-RU" dirty="0" smtClean="0"/>
+              <a:rPr lang="ru-RU" dirty="0"/>
               <a:t>(</a:t>
             </a:r>
             <a:r>
-              <a:rPr lang="ru-RU" dirty="0" err="1" smtClean="0"/>
+              <a:rPr lang="ru-RU" dirty="0" err="1"/>
               <a:t>err</a:t>
             </a:r>
             <a:r>
-              <a:rPr lang="ru-RU" dirty="0" smtClean="0"/>
+              <a:rPr lang="ru-RU" dirty="0"/>
               <a:t>).</a:t>
             </a:r>
           </a:p>
@@ -7220,20 +7016,13 @@
     </p:spTree>
     <p:extLst>
       <p:ext uri="{BB962C8B-B14F-4D97-AF65-F5344CB8AC3E}">
-        <p14:creationId xmlns:p14="http://schemas.microsoft.com/office/powerpoint/2010/main" xmlns="" val="9290874"/>
+        <p14:creationId xmlns:p14="http://schemas.microsoft.com/office/powerpoint/2010/main" val="9290874"/>
       </p:ext>
     </p:extLst>
   </p:cSld>
   <p:clrMapOvr>
     <a:masterClrMapping/>
   </p:clrMapOvr>
-  <p:timing>
-    <p:tnLst>
-      <p:par>
-        <p:cTn id="1" dur="indefinite" restart="never" nodeType="tmRoot"/>
-      </p:par>
-    </p:tnLst>
-  </p:timing>
 </p:sld>
 </file>
 
